--- a/SE401/Lectures/8-Integration, System and Regression Testing/1-Integration Testing.pptx
+++ b/SE401/Lectures/8-Integration, System and Regression Testing/1-Integration Testing.pptx
@@ -259,7 +259,7 @@
           <a:p>
             <a:fld id="{29DC965F-4EE6-424F-87B9-6E4E065EFA1D}" type="datetimeFigureOut">
               <a:rPr lang="en-US" smtClean="0"/>
-              <a:t>11/3/2021</a:t>
+              <a:t>11/7/2021</a:t>
             </a:fld>
             <a:endParaRPr lang="en-US"/>
           </a:p>
@@ -3315,7 +3315,7 @@
           <a:ln/>
           <a:extLst>
             <a:ext uri="{FAA26D3D-D897-4be2-8F04-BA451C77F1D7}">
-              <ma14:placeholderFlag xmlns:ma14="http://schemas.microsoft.com/office/mac/drawingml/2011/main" xmlns="" val="1"/>
+              <ma14:placeholderFlag xmlns="" xmlns:ma14="http://schemas.microsoft.com/office/mac/drawingml/2011/main" val="1"/>
             </a:ext>
           </a:extLst>
         </p:spPr>
@@ -3494,7 +3494,7 @@
           <a:ln/>
           <a:extLst>
             <a:ext uri="{FAA26D3D-D897-4be2-8F04-BA451C77F1D7}">
-              <ma14:placeholderFlag xmlns:ma14="http://schemas.microsoft.com/office/mac/drawingml/2011/main" xmlns="" val="1"/>
+              <ma14:placeholderFlag xmlns="" xmlns:ma14="http://schemas.microsoft.com/office/mac/drawingml/2011/main" val="1"/>
             </a:ext>
           </a:extLst>
         </p:spPr>
@@ -3688,14 +3688,14 @@
           <a:ln w="9525"/>
           <a:extLst>
             <a:ext uri="{909E8E84-426E-40dd-AFC4-6F175D3DCCD1}">
-              <a14:hiddenFill xmlns:a14="http://schemas.microsoft.com/office/drawing/2010/main" xmlns="">
+              <a14:hiddenFill xmlns="" xmlns:a14="http://schemas.microsoft.com/office/drawing/2010/main">
                 <a:solidFill>
                   <a:srgbClr val="FFFFFF"/>
                 </a:solidFill>
               </a14:hiddenFill>
             </a:ext>
             <a:ext uri="{91240B29-F687-4f45-9708-019B960494DF}">
-              <a14:hiddenLine xmlns:a14="http://schemas.microsoft.com/office/drawing/2010/main" xmlns="" w="9525">
+              <a14:hiddenLine xmlns="" xmlns:a14="http://schemas.microsoft.com/office/drawing/2010/main" w="9525">
                 <a:solidFill>
                   <a:srgbClr val="000000"/>
                 </a:solidFill>
@@ -3705,7 +3705,7 @@
               </a14:hiddenLine>
             </a:ext>
             <a:ext uri="{FAA26D3D-D897-4be2-8F04-BA451C77F1D7}">
-              <ma14:placeholderFlag xmlns:ma14="http://schemas.microsoft.com/office/mac/drawingml/2011/main" xmlns="" val="1"/>
+              <ma14:placeholderFlag xmlns="" xmlns:ma14="http://schemas.microsoft.com/office/mac/drawingml/2011/main" val="1"/>
             </a:ext>
           </a:extLst>
         </p:spPr>
@@ -3877,14 +3877,14 @@
           <a:ln w="9525"/>
           <a:extLst>
             <a:ext uri="{909E8E84-426E-40dd-AFC4-6F175D3DCCD1}">
-              <a14:hiddenFill xmlns:a14="http://schemas.microsoft.com/office/drawing/2010/main" xmlns="">
+              <a14:hiddenFill xmlns="" xmlns:a14="http://schemas.microsoft.com/office/drawing/2010/main">
                 <a:solidFill>
                   <a:srgbClr val="FFFFFF"/>
                 </a:solidFill>
               </a14:hiddenFill>
             </a:ext>
             <a:ext uri="{91240B29-F687-4f45-9708-019B960494DF}">
-              <a14:hiddenLine xmlns:a14="http://schemas.microsoft.com/office/drawing/2010/main" xmlns="" w="9525">
+              <a14:hiddenLine xmlns="" xmlns:a14="http://schemas.microsoft.com/office/drawing/2010/main" w="9525">
                 <a:solidFill>
                   <a:srgbClr val="000000"/>
                 </a:solidFill>
@@ -4150,14 +4150,14 @@
           <a:ln w="9525"/>
           <a:extLst>
             <a:ext uri="{909E8E84-426E-40dd-AFC4-6F175D3DCCD1}">
-              <a14:hiddenFill xmlns:a14="http://schemas.microsoft.com/office/drawing/2010/main" xmlns="">
+              <a14:hiddenFill xmlns="" xmlns:a14="http://schemas.microsoft.com/office/drawing/2010/main">
                 <a:solidFill>
                   <a:srgbClr val="FFFFFF"/>
                 </a:solidFill>
               </a14:hiddenFill>
             </a:ext>
             <a:ext uri="{91240B29-F687-4f45-9708-019B960494DF}">
-              <a14:hiddenLine xmlns:a14="http://schemas.microsoft.com/office/drawing/2010/main" xmlns="" w="9525">
+              <a14:hiddenLine xmlns="" xmlns:a14="http://schemas.microsoft.com/office/drawing/2010/main" w="9525">
                 <a:solidFill>
                   <a:srgbClr val="000000"/>
                 </a:solidFill>
@@ -4167,7 +4167,7 @@
               </a14:hiddenLine>
             </a:ext>
             <a:ext uri="{FAA26D3D-D897-4be2-8F04-BA451C77F1D7}">
-              <ma14:placeholderFlag xmlns:ma14="http://schemas.microsoft.com/office/mac/drawingml/2011/main" xmlns="" val="1"/>
+              <ma14:placeholderFlag xmlns="" xmlns:ma14="http://schemas.microsoft.com/office/mac/drawingml/2011/main" val="1"/>
             </a:ext>
           </a:extLst>
         </p:spPr>
@@ -4353,14 +4353,14 @@
           <a:ln w="9525"/>
           <a:extLst>
             <a:ext uri="{909E8E84-426E-40dd-AFC4-6F175D3DCCD1}">
-              <a14:hiddenFill xmlns:a14="http://schemas.microsoft.com/office/drawing/2010/main" xmlns="">
+              <a14:hiddenFill xmlns="" xmlns:a14="http://schemas.microsoft.com/office/drawing/2010/main">
                 <a:solidFill>
                   <a:srgbClr val="FFFFFF"/>
                 </a:solidFill>
               </a14:hiddenFill>
             </a:ext>
             <a:ext uri="{91240B29-F687-4f45-9708-019B960494DF}">
-              <a14:hiddenLine xmlns:a14="http://schemas.microsoft.com/office/drawing/2010/main" xmlns="" w="9525">
+              <a14:hiddenLine xmlns="" xmlns:a14="http://schemas.microsoft.com/office/drawing/2010/main" w="9525">
                 <a:solidFill>
                   <a:srgbClr val="000000"/>
                 </a:solidFill>
@@ -5082,14 +5082,14 @@
           <a:ln w="9525"/>
           <a:extLst>
             <a:ext uri="{909E8E84-426E-40dd-AFC4-6F175D3DCCD1}">
-              <a14:hiddenFill xmlns:a14="http://schemas.microsoft.com/office/drawing/2010/main" xmlns="">
+              <a14:hiddenFill xmlns="" xmlns:a14="http://schemas.microsoft.com/office/drawing/2010/main">
                 <a:solidFill>
                   <a:srgbClr val="FFFFFF"/>
                 </a:solidFill>
               </a14:hiddenFill>
             </a:ext>
             <a:ext uri="{91240B29-F687-4f45-9708-019B960494DF}">
-              <a14:hiddenLine xmlns:a14="http://schemas.microsoft.com/office/drawing/2010/main" xmlns="" w="9525">
+              <a14:hiddenLine xmlns="" xmlns:a14="http://schemas.microsoft.com/office/drawing/2010/main" w="9525">
                 <a:solidFill>
                   <a:srgbClr val="000000"/>
                 </a:solidFill>
@@ -5099,7 +5099,7 @@
               </a14:hiddenLine>
             </a:ext>
             <a:ext uri="{FAA26D3D-D897-4be2-8F04-BA451C77F1D7}">
-              <ma14:placeholderFlag xmlns:ma14="http://schemas.microsoft.com/office/mac/drawingml/2011/main" xmlns="" val="1"/>
+              <ma14:placeholderFlag xmlns="" xmlns:ma14="http://schemas.microsoft.com/office/mac/drawingml/2011/main" val="1"/>
             </a:ext>
           </a:extLst>
         </p:spPr>
@@ -5278,14 +5278,14 @@
           </a:ln>
           <a:extLst>
             <a:ext uri="{909E8E84-426E-40dd-AFC4-6F175D3DCCD1}">
-              <a14:hiddenFill xmlns:a14="http://schemas.microsoft.com/office/drawing/2010/main" xmlns="">
+              <a14:hiddenFill xmlns="" xmlns:a14="http://schemas.microsoft.com/office/drawing/2010/main">
                 <a:solidFill>
                   <a:srgbClr val="FFFFFF"/>
                 </a:solidFill>
               </a14:hiddenFill>
             </a:ext>
             <a:ext uri="{91240B29-F687-4f45-9708-019B960494DF}">
-              <a14:hiddenLine xmlns:a14="http://schemas.microsoft.com/office/drawing/2010/main" xmlns="" w="9525">
+              <a14:hiddenLine xmlns="" xmlns:a14="http://schemas.microsoft.com/office/drawing/2010/main" w="9525">
                 <a:solidFill>
                   <a:srgbClr val="000000"/>
                 </a:solidFill>
@@ -5461,14 +5461,14 @@
           </a:ln>
           <a:extLst>
             <a:ext uri="{909E8E84-426E-40dd-AFC4-6F175D3DCCD1}">
-              <a14:hiddenFill xmlns:a14="http://schemas.microsoft.com/office/drawing/2010/main" xmlns="">
+              <a14:hiddenFill xmlns="" xmlns:a14="http://schemas.microsoft.com/office/drawing/2010/main">
                 <a:solidFill>
                   <a:srgbClr val="FFFFFF"/>
                 </a:solidFill>
               </a14:hiddenFill>
             </a:ext>
             <a:ext uri="{FAA26D3D-D897-4be2-8F04-BA451C77F1D7}">
-              <ma14:placeholderFlag xmlns:ma14="http://schemas.microsoft.com/office/mac/drawingml/2011/main" xmlns="" val="1"/>
+              <ma14:placeholderFlag xmlns="" xmlns:ma14="http://schemas.microsoft.com/office/mac/drawingml/2011/main" val="1"/>
             </a:ext>
           </a:extLst>
         </p:spPr>
@@ -5838,7 +5838,7 @@
           </a:ln>
           <a:extLst>
             <a:ext uri="{FAA26D3D-D897-4be2-8F04-BA451C77F1D7}">
-              <ma14:placeholderFlag xmlns:ma14="http://schemas.microsoft.com/office/mac/drawingml/2011/main" xmlns="" val="1"/>
+              <ma14:placeholderFlag xmlns="" xmlns:ma14="http://schemas.microsoft.com/office/mac/drawingml/2011/main" val="1"/>
             </a:ext>
           </a:extLst>
         </p:spPr>
@@ -6016,14 +6016,14 @@
           </a:ln>
           <a:extLst>
             <a:ext uri="{909E8E84-426E-40dd-AFC4-6F175D3DCCD1}">
-              <a14:hiddenFill xmlns:a14="http://schemas.microsoft.com/office/drawing/2010/main" xmlns="">
+              <a14:hiddenFill xmlns="" xmlns:a14="http://schemas.microsoft.com/office/drawing/2010/main">
                 <a:solidFill>
                   <a:srgbClr val="FFFFFF"/>
                 </a:solidFill>
               </a14:hiddenFill>
             </a:ext>
             <a:ext uri="{91240B29-F687-4f45-9708-019B960494DF}">
-              <a14:hiddenLine xmlns:a14="http://schemas.microsoft.com/office/drawing/2010/main" xmlns="" w="9525">
+              <a14:hiddenLine xmlns="" xmlns:a14="http://schemas.microsoft.com/office/drawing/2010/main" w="9525">
                 <a:solidFill>
                   <a:srgbClr val="000000"/>
                 </a:solidFill>
@@ -6199,14 +6199,14 @@
           </a:ln>
           <a:extLst>
             <a:ext uri="{909E8E84-426E-40dd-AFC4-6F175D3DCCD1}">
-              <a14:hiddenFill xmlns:a14="http://schemas.microsoft.com/office/drawing/2010/main" xmlns="">
+              <a14:hiddenFill xmlns="" xmlns:a14="http://schemas.microsoft.com/office/drawing/2010/main">
                 <a:solidFill>
                   <a:srgbClr val="FFFFFF"/>
                 </a:solidFill>
               </a14:hiddenFill>
             </a:ext>
             <a:ext uri="{FAA26D3D-D897-4be2-8F04-BA451C77F1D7}">
-              <ma14:placeholderFlag xmlns:ma14="http://schemas.microsoft.com/office/mac/drawingml/2011/main" xmlns="" val="1"/>
+              <ma14:placeholderFlag xmlns="" xmlns:ma14="http://schemas.microsoft.com/office/mac/drawingml/2011/main" val="1"/>
             </a:ext>
           </a:extLst>
         </p:spPr>
@@ -6563,14 +6563,14 @@
           <a:ln w="9525"/>
           <a:extLst>
             <a:ext uri="{909E8E84-426E-40dd-AFC4-6F175D3DCCD1}">
-              <a14:hiddenFill xmlns:a14="http://schemas.microsoft.com/office/drawing/2010/main" xmlns="">
+              <a14:hiddenFill xmlns="" xmlns:a14="http://schemas.microsoft.com/office/drawing/2010/main">
                 <a:solidFill>
                   <a:srgbClr val="FFFFFF"/>
                 </a:solidFill>
               </a14:hiddenFill>
             </a:ext>
             <a:ext uri="{91240B29-F687-4f45-9708-019B960494DF}">
-              <a14:hiddenLine xmlns:a14="http://schemas.microsoft.com/office/drawing/2010/main" xmlns="" w="9525">
+              <a14:hiddenLine xmlns="" xmlns:a14="http://schemas.microsoft.com/office/drawing/2010/main" w="9525">
                 <a:solidFill>
                   <a:srgbClr val="000000"/>
                 </a:solidFill>
@@ -6763,14 +6763,14 @@
           <a:ln w="9525"/>
           <a:extLst>
             <a:ext uri="{909E8E84-426E-40dd-AFC4-6F175D3DCCD1}">
-              <a14:hiddenFill xmlns:a14="http://schemas.microsoft.com/office/drawing/2010/main" xmlns="">
+              <a14:hiddenFill xmlns="" xmlns:a14="http://schemas.microsoft.com/office/drawing/2010/main">
                 <a:solidFill>
                   <a:srgbClr val="FFFFFF"/>
                 </a:solidFill>
               </a14:hiddenFill>
             </a:ext>
             <a:ext uri="{91240B29-F687-4f45-9708-019B960494DF}">
-              <a14:hiddenLine xmlns:a14="http://schemas.microsoft.com/office/drawing/2010/main" xmlns="" w="9525">
+              <a14:hiddenLine xmlns="" xmlns:a14="http://schemas.microsoft.com/office/drawing/2010/main" w="9525">
                 <a:solidFill>
                   <a:srgbClr val="000000"/>
                 </a:solidFill>
@@ -6780,7 +6780,7 @@
               </a14:hiddenLine>
             </a:ext>
             <a:ext uri="{FAA26D3D-D897-4be2-8F04-BA451C77F1D7}">
-              <ma14:placeholderFlag xmlns:ma14="http://schemas.microsoft.com/office/mac/drawingml/2011/main" xmlns="" val="1"/>
+              <ma14:placeholderFlag xmlns="" xmlns:ma14="http://schemas.microsoft.com/office/mac/drawingml/2011/main" val="1"/>
             </a:ext>
           </a:extLst>
         </p:spPr>
@@ -7065,7 +7065,7 @@
           <a:p>
             <a:fld id="{37F25EE3-3670-48A1-BD38-BCF07B338F77}" type="datetime1">
               <a:rPr lang="en-US" smtClean="0"/>
-              <a:t>11/3/2021</a:t>
+              <a:t>11/7/2021</a:t>
             </a:fld>
             <a:endParaRPr lang="en-US"/>
           </a:p>
@@ -7316,7 +7316,7 @@
           <a:p>
             <a:fld id="{BD3F448D-36D0-425B-A768-748E58DED954}" type="datetime1">
               <a:rPr lang="en-US" smtClean="0"/>
-              <a:t>11/3/2021</a:t>
+              <a:t>11/7/2021</a:t>
             </a:fld>
             <a:endParaRPr lang="en-US"/>
           </a:p>
@@ -7496,7 +7496,7 @@
           <a:p>
             <a:fld id="{518D97EF-B8A1-4C50-8FE1-7FFDFF5821BA}" type="datetime1">
               <a:rPr lang="en-US" smtClean="0"/>
-              <a:t>11/3/2021</a:t>
+              <a:t>11/7/2021</a:t>
             </a:fld>
             <a:endParaRPr lang="en-US"/>
           </a:p>
@@ -7666,7 +7666,7 @@
           <a:p>
             <a:fld id="{4DC2A4DD-90EF-49ED-B7E8-A04E775244AF}" type="datetime1">
               <a:rPr lang="en-US" smtClean="0"/>
-              <a:t>11/3/2021</a:t>
+              <a:t>11/7/2021</a:t>
             </a:fld>
             <a:endParaRPr lang="en-US"/>
           </a:p>
@@ -7912,7 +7912,7 @@
           <a:p>
             <a:fld id="{C49C64D8-BE90-47C2-AB4E-17E7A8E25C0F}" type="datetime1">
               <a:rPr lang="en-US" smtClean="0"/>
-              <a:t>11/3/2021</a:t>
+              <a:t>11/7/2021</a:t>
             </a:fld>
             <a:endParaRPr lang="en-US"/>
           </a:p>
@@ -8144,7 +8144,7 @@
           <a:p>
             <a:fld id="{05213E12-4916-4425-9F48-0C7B001002A2}" type="datetime1">
               <a:rPr lang="en-US" smtClean="0"/>
-              <a:t>11/3/2021</a:t>
+              <a:t>11/7/2021</a:t>
             </a:fld>
             <a:endParaRPr lang="en-US"/>
           </a:p>
@@ -8511,7 +8511,7 @@
           <a:p>
             <a:fld id="{57750A7D-6440-471E-9A62-EE9D52F00272}" type="datetime1">
               <a:rPr lang="en-US" smtClean="0"/>
-              <a:t>11/3/2021</a:t>
+              <a:t>11/7/2021</a:t>
             </a:fld>
             <a:endParaRPr lang="en-US"/>
           </a:p>
@@ -8629,7 +8629,7 @@
           <a:p>
             <a:fld id="{29AB0C40-7BF5-441B-959D-CAA8EAEC1D8F}" type="datetime1">
               <a:rPr lang="en-US" smtClean="0"/>
-              <a:t>11/3/2021</a:t>
+              <a:t>11/7/2021</a:t>
             </a:fld>
             <a:endParaRPr lang="en-US"/>
           </a:p>
@@ -8724,7 +8724,7 @@
           <a:p>
             <a:fld id="{56CB15C1-50CD-4D8E-87FD-09A53995B887}" type="datetime1">
               <a:rPr lang="en-US" smtClean="0"/>
-              <a:t>11/3/2021</a:t>
+              <a:t>11/7/2021</a:t>
             </a:fld>
             <a:endParaRPr lang="en-US"/>
           </a:p>
@@ -9001,7 +9001,7 @@
           <a:p>
             <a:fld id="{2D6BD592-F12F-46F8-9E79-6E07B872F689}" type="datetime1">
               <a:rPr lang="en-US" smtClean="0"/>
-              <a:t>11/3/2021</a:t>
+              <a:t>11/7/2021</a:t>
             </a:fld>
             <a:endParaRPr lang="en-US"/>
           </a:p>
@@ -9254,7 +9254,7 @@
           <a:p>
             <a:fld id="{D4AED46E-27F9-446C-A84F-62508097E734}" type="datetime1">
               <a:rPr lang="en-US" smtClean="0"/>
-              <a:t>11/3/2021</a:t>
+              <a:t>11/7/2021</a:t>
             </a:fld>
             <a:endParaRPr lang="en-US"/>
           </a:p>
@@ -9468,7 +9468,7 @@
           <a:p>
             <a:fld id="{8DDD7842-5CB9-4704-8601-0697C48BE99A}" type="datetime1">
               <a:rPr lang="en-US" smtClean="0"/>
-              <a:t>11/3/2021</a:t>
+              <a:t>11/7/2021</a:t>
             </a:fld>
             <a:endParaRPr lang="en-US"/>
           </a:p>
@@ -15846,14 +15846,14 @@
             <a:effectLst/>
             <a:extLst>
               <a:ext uri="{909E8E84-426E-40dd-AFC4-6F175D3DCCD1}">
-                <a14:hiddenFill xmlns:a14="http://schemas.microsoft.com/office/drawing/2010/main" xmlns="">
+                <a14:hiddenFill xmlns="" xmlns:a14="http://schemas.microsoft.com/office/drawing/2010/main">
                   <a:solidFill>
                     <a:schemeClr val="accent1"/>
                   </a:solidFill>
                 </a14:hiddenFill>
               </a:ext>
               <a:ext uri="{AF507438-7753-43e0-B8FC-AC1667EBCBE1}">
-                <a14:hiddenEffects xmlns:a14="http://schemas.microsoft.com/office/drawing/2010/main" xmlns="">
+                <a14:hiddenEffects xmlns="" xmlns:a14="http://schemas.microsoft.com/office/drawing/2010/main">
                   <a:effectLst>
                     <a:outerShdw blurRad="63500" dist="38099" dir="2700000" algn="ctr" rotWithShape="0">
                       <a:schemeClr val="bg2">
@@ -15903,14 +15903,14 @@
             <a:effectLst/>
             <a:extLst>
               <a:ext uri="{909E8E84-426E-40dd-AFC4-6F175D3DCCD1}">
-                <a14:hiddenFill xmlns:a14="http://schemas.microsoft.com/office/drawing/2010/main" xmlns="">
+                <a14:hiddenFill xmlns="" xmlns:a14="http://schemas.microsoft.com/office/drawing/2010/main">
                   <a:solidFill>
                     <a:schemeClr val="accent1"/>
                   </a:solidFill>
                 </a14:hiddenFill>
               </a:ext>
               <a:ext uri="{AF507438-7753-43e0-B8FC-AC1667EBCBE1}">
-                <a14:hiddenEffects xmlns:a14="http://schemas.microsoft.com/office/drawing/2010/main" xmlns="">
+                <a14:hiddenEffects xmlns="" xmlns:a14="http://schemas.microsoft.com/office/drawing/2010/main">
                   <a:effectLst>
                     <a:outerShdw blurRad="63500" dist="38099" dir="2700000" algn="ctr" rotWithShape="0">
                       <a:schemeClr val="bg2">
@@ -15962,14 +15962,14 @@
             <a:effectLst/>
             <a:extLst>
               <a:ext uri="{909E8E84-426E-40dd-AFC4-6F175D3DCCD1}">
-                <a14:hiddenFill xmlns:a14="http://schemas.microsoft.com/office/drawing/2010/main" xmlns="">
+                <a14:hiddenFill xmlns="" xmlns:a14="http://schemas.microsoft.com/office/drawing/2010/main">
                   <a:solidFill>
                     <a:schemeClr val="accent1"/>
                   </a:solidFill>
                 </a14:hiddenFill>
               </a:ext>
               <a:ext uri="{AF507438-7753-43e0-B8FC-AC1667EBCBE1}">
-                <a14:hiddenEffects xmlns:a14="http://schemas.microsoft.com/office/drawing/2010/main" xmlns="">
+                <a14:hiddenEffects xmlns="" xmlns:a14="http://schemas.microsoft.com/office/drawing/2010/main">
                   <a:effectLst>
                     <a:outerShdw blurRad="63500" dist="38099" dir="2700000" algn="ctr" rotWithShape="0">
                       <a:schemeClr val="bg2">
@@ -16014,14 +16014,14 @@
             <a:effectLst/>
             <a:extLst>
               <a:ext uri="{909E8E84-426E-40dd-AFC4-6F175D3DCCD1}">
-                <a14:hiddenFill xmlns:a14="http://schemas.microsoft.com/office/drawing/2010/main" xmlns="">
+                <a14:hiddenFill xmlns="" xmlns:a14="http://schemas.microsoft.com/office/drawing/2010/main">
                   <a:solidFill>
                     <a:schemeClr val="accent1"/>
                   </a:solidFill>
                 </a14:hiddenFill>
               </a:ext>
               <a:ext uri="{91240B29-F687-4f45-9708-019B960494DF}">
-                <a14:hiddenLine xmlns:a14="http://schemas.microsoft.com/office/drawing/2010/main" xmlns="" w="9525">
+                <a14:hiddenLine xmlns="" xmlns:a14="http://schemas.microsoft.com/office/drawing/2010/main" w="9525">
                   <a:solidFill>
                     <a:schemeClr val="tx1"/>
                   </a:solidFill>
@@ -16031,7 +16031,7 @@
                 </a14:hiddenLine>
               </a:ext>
               <a:ext uri="{AF507438-7753-43e0-B8FC-AC1667EBCBE1}">
-                <a14:hiddenEffects xmlns:a14="http://schemas.microsoft.com/office/drawing/2010/main" xmlns="">
+                <a14:hiddenEffects xmlns="" xmlns:a14="http://schemas.microsoft.com/office/drawing/2010/main">
                   <a:effectLst>
                     <a:outerShdw blurRad="63500" dist="38099" dir="2700000" algn="ctr" rotWithShape="0">
                       <a:schemeClr val="bg2">
@@ -16081,14 +16081,14 @@
             <a:effectLst/>
             <a:extLst>
               <a:ext uri="{909E8E84-426E-40dd-AFC4-6F175D3DCCD1}">
-                <a14:hiddenFill xmlns:a14="http://schemas.microsoft.com/office/drawing/2010/main" xmlns="">
+                <a14:hiddenFill xmlns="" xmlns:a14="http://schemas.microsoft.com/office/drawing/2010/main">
                   <a:solidFill>
                     <a:schemeClr val="accent1"/>
                   </a:solidFill>
                 </a14:hiddenFill>
               </a:ext>
               <a:ext uri="{91240B29-F687-4f45-9708-019B960494DF}">
-                <a14:hiddenLine xmlns:a14="http://schemas.microsoft.com/office/drawing/2010/main" xmlns="" w="9525">
+                <a14:hiddenLine xmlns="" xmlns:a14="http://schemas.microsoft.com/office/drawing/2010/main" w="9525">
                   <a:solidFill>
                     <a:schemeClr val="tx1"/>
                   </a:solidFill>
@@ -16098,7 +16098,7 @@
                 </a14:hiddenLine>
               </a:ext>
               <a:ext uri="{AF507438-7753-43e0-B8FC-AC1667EBCBE1}">
-                <a14:hiddenEffects xmlns:a14="http://schemas.microsoft.com/office/drawing/2010/main" xmlns="">
+                <a14:hiddenEffects xmlns="" xmlns:a14="http://schemas.microsoft.com/office/drawing/2010/main">
                   <a:effectLst>
                     <a:outerShdw blurRad="63500" dist="38099" dir="2700000" algn="ctr" rotWithShape="0">
                       <a:schemeClr val="bg2">
@@ -16156,14 +16156,14 @@
             <a:effectLst/>
             <a:extLst>
               <a:ext uri="{909E8E84-426E-40dd-AFC4-6F175D3DCCD1}">
-                <a14:hiddenFill xmlns:a14="http://schemas.microsoft.com/office/drawing/2010/main" xmlns="">
+                <a14:hiddenFill xmlns="" xmlns:a14="http://schemas.microsoft.com/office/drawing/2010/main">
                   <a:solidFill>
                     <a:schemeClr val="accent1"/>
                   </a:solidFill>
                 </a14:hiddenFill>
               </a:ext>
               <a:ext uri="{91240B29-F687-4f45-9708-019B960494DF}">
-                <a14:hiddenLine xmlns:a14="http://schemas.microsoft.com/office/drawing/2010/main" xmlns="" w="9525">
+                <a14:hiddenLine xmlns="" xmlns:a14="http://schemas.microsoft.com/office/drawing/2010/main" w="9525">
                   <a:solidFill>
                     <a:schemeClr val="tx1"/>
                   </a:solidFill>
@@ -16173,7 +16173,7 @@
                 </a14:hiddenLine>
               </a:ext>
               <a:ext uri="{AF507438-7753-43e0-B8FC-AC1667EBCBE1}">
-                <a14:hiddenEffects xmlns:a14="http://schemas.microsoft.com/office/drawing/2010/main" xmlns="">
+                <a14:hiddenEffects xmlns="" xmlns:a14="http://schemas.microsoft.com/office/drawing/2010/main">
                   <a:effectLst>
                     <a:outerShdw blurRad="63500" dist="38099" dir="2700000" algn="ctr" rotWithShape="0">
                       <a:schemeClr val="bg2">
@@ -16223,14 +16223,14 @@
             <a:effectLst/>
             <a:extLst>
               <a:ext uri="{909E8E84-426E-40dd-AFC4-6F175D3DCCD1}">
-                <a14:hiddenFill xmlns:a14="http://schemas.microsoft.com/office/drawing/2010/main" xmlns="">
+                <a14:hiddenFill xmlns="" xmlns:a14="http://schemas.microsoft.com/office/drawing/2010/main">
                   <a:solidFill>
                     <a:schemeClr val="accent1"/>
                   </a:solidFill>
                 </a14:hiddenFill>
               </a:ext>
               <a:ext uri="{91240B29-F687-4f45-9708-019B960494DF}">
-                <a14:hiddenLine xmlns:a14="http://schemas.microsoft.com/office/drawing/2010/main" xmlns="" w="9525">
+                <a14:hiddenLine xmlns="" xmlns:a14="http://schemas.microsoft.com/office/drawing/2010/main" w="9525">
                   <a:solidFill>
                     <a:schemeClr val="tx1"/>
                   </a:solidFill>
@@ -16240,7 +16240,7 @@
                 </a14:hiddenLine>
               </a:ext>
               <a:ext uri="{AF507438-7753-43e0-B8FC-AC1667EBCBE1}">
-                <a14:hiddenEffects xmlns:a14="http://schemas.microsoft.com/office/drawing/2010/main" xmlns="">
+                <a14:hiddenEffects xmlns="" xmlns:a14="http://schemas.microsoft.com/office/drawing/2010/main">
                   <a:effectLst>
                     <a:outerShdw blurRad="63500" dist="38099" dir="2700000" algn="ctr" rotWithShape="0">
                       <a:schemeClr val="bg2">
@@ -16298,14 +16298,14 @@
             <a:effectLst/>
             <a:extLst>
               <a:ext uri="{909E8E84-426E-40dd-AFC4-6F175D3DCCD1}">
-                <a14:hiddenFill xmlns:a14="http://schemas.microsoft.com/office/drawing/2010/main" xmlns="">
+                <a14:hiddenFill xmlns="" xmlns:a14="http://schemas.microsoft.com/office/drawing/2010/main">
                   <a:solidFill>
                     <a:schemeClr val="accent1"/>
                   </a:solidFill>
                 </a14:hiddenFill>
               </a:ext>
               <a:ext uri="{91240B29-F687-4f45-9708-019B960494DF}">
-                <a14:hiddenLine xmlns:a14="http://schemas.microsoft.com/office/drawing/2010/main" xmlns="" w="9525">
+                <a14:hiddenLine xmlns="" xmlns:a14="http://schemas.microsoft.com/office/drawing/2010/main" w="9525">
                   <a:solidFill>
                     <a:schemeClr val="tx1"/>
                   </a:solidFill>
@@ -16315,7 +16315,7 @@
                 </a14:hiddenLine>
               </a:ext>
               <a:ext uri="{AF507438-7753-43e0-B8FC-AC1667EBCBE1}">
-                <a14:hiddenEffects xmlns:a14="http://schemas.microsoft.com/office/drawing/2010/main" xmlns="">
+                <a14:hiddenEffects xmlns="" xmlns:a14="http://schemas.microsoft.com/office/drawing/2010/main">
                   <a:effectLst>
                     <a:outerShdw blurRad="63500" dist="38099" dir="2700000" algn="ctr" rotWithShape="0">
                       <a:schemeClr val="bg2">
@@ -16382,12 +16382,12 @@
             <a:effectLst/>
             <a:extLst>
               <a:ext uri="{909E8E84-426E-40dd-AFC4-6F175D3DCCD1}">
-                <a14:hiddenFill xmlns:a14="http://schemas.microsoft.com/office/drawing/2010/main" xmlns="">
+                <a14:hiddenFill xmlns="" xmlns:a14="http://schemas.microsoft.com/office/drawing/2010/main">
                   <a:noFill/>
                 </a14:hiddenFill>
               </a:ext>
               <a:ext uri="{AF507438-7753-43e0-B8FC-AC1667EBCBE1}">
-                <a14:hiddenEffects xmlns:a14="http://schemas.microsoft.com/office/drawing/2010/main" xmlns="">
+                <a14:hiddenEffects xmlns="" xmlns:a14="http://schemas.microsoft.com/office/drawing/2010/main">
                   <a:effectLst>
                     <a:outerShdw blurRad="63500" dist="38099" dir="2700000" algn="ctr" rotWithShape="0">
                       <a:schemeClr val="bg2">
@@ -16430,12 +16430,12 @@
             <a:effectLst/>
             <a:extLst>
               <a:ext uri="{909E8E84-426E-40dd-AFC4-6F175D3DCCD1}">
-                <a14:hiddenFill xmlns:a14="http://schemas.microsoft.com/office/drawing/2010/main" xmlns="">
+                <a14:hiddenFill xmlns="" xmlns:a14="http://schemas.microsoft.com/office/drawing/2010/main">
                   <a:noFill/>
                 </a14:hiddenFill>
               </a:ext>
               <a:ext uri="{AF507438-7753-43e0-B8FC-AC1667EBCBE1}">
-                <a14:hiddenEffects xmlns:a14="http://schemas.microsoft.com/office/drawing/2010/main" xmlns="">
+                <a14:hiddenEffects xmlns="" xmlns:a14="http://schemas.microsoft.com/office/drawing/2010/main">
                   <a:effectLst>
                     <a:outerShdw blurRad="63500" dist="38099" dir="2700000" algn="ctr" rotWithShape="0">
                       <a:schemeClr val="bg2">
@@ -16478,12 +16478,12 @@
             <a:effectLst/>
             <a:extLst>
               <a:ext uri="{909E8E84-426E-40dd-AFC4-6F175D3DCCD1}">
-                <a14:hiddenFill xmlns:a14="http://schemas.microsoft.com/office/drawing/2010/main" xmlns="">
+                <a14:hiddenFill xmlns="" xmlns:a14="http://schemas.microsoft.com/office/drawing/2010/main">
                   <a:noFill/>
                 </a14:hiddenFill>
               </a:ext>
               <a:ext uri="{AF507438-7753-43e0-B8FC-AC1667EBCBE1}">
-                <a14:hiddenEffects xmlns:a14="http://schemas.microsoft.com/office/drawing/2010/main" xmlns="">
+                <a14:hiddenEffects xmlns="" xmlns:a14="http://schemas.microsoft.com/office/drawing/2010/main">
                   <a:effectLst>
                     <a:outerShdw blurRad="63500" dist="38099" dir="2700000" algn="ctr" rotWithShape="0">
                       <a:schemeClr val="bg2">
@@ -16519,14 +16519,14 @@
             <a:effectLst/>
             <a:extLst>
               <a:ext uri="{909E8E84-426E-40dd-AFC4-6F175D3DCCD1}">
-                <a14:hiddenFill xmlns:a14="http://schemas.microsoft.com/office/drawing/2010/main" xmlns="">
+                <a14:hiddenFill xmlns="" xmlns:a14="http://schemas.microsoft.com/office/drawing/2010/main">
                   <a:solidFill>
                     <a:schemeClr val="accent1"/>
                   </a:solidFill>
                 </a14:hiddenFill>
               </a:ext>
               <a:ext uri="{91240B29-F687-4f45-9708-019B960494DF}">
-                <a14:hiddenLine xmlns:a14="http://schemas.microsoft.com/office/drawing/2010/main" xmlns="" w="9525">
+                <a14:hiddenLine xmlns="" xmlns:a14="http://schemas.microsoft.com/office/drawing/2010/main" w="9525">
                   <a:solidFill>
                     <a:schemeClr val="tx1"/>
                   </a:solidFill>
@@ -16536,7 +16536,7 @@
                 </a14:hiddenLine>
               </a:ext>
               <a:ext uri="{AF507438-7753-43e0-B8FC-AC1667EBCBE1}">
-                <a14:hiddenEffects xmlns:a14="http://schemas.microsoft.com/office/drawing/2010/main" xmlns="">
+                <a14:hiddenEffects xmlns="" xmlns:a14="http://schemas.microsoft.com/office/drawing/2010/main">
                   <a:effectLst>
                     <a:outerShdw blurRad="63500" dist="38099" dir="2700000" algn="ctr" rotWithShape="0">
                       <a:schemeClr val="bg2">
@@ -16595,14 +16595,14 @@
           <a:effectLst/>
           <a:extLst>
             <a:ext uri="{909E8E84-426E-40dd-AFC4-6F175D3DCCD1}">
-              <a14:hiddenFill xmlns:a14="http://schemas.microsoft.com/office/drawing/2010/main" xmlns="">
+              <a14:hiddenFill xmlns="" xmlns:a14="http://schemas.microsoft.com/office/drawing/2010/main">
                 <a:solidFill>
                   <a:schemeClr val="accent1"/>
                 </a:solidFill>
               </a14:hiddenFill>
             </a:ext>
             <a:ext uri="{91240B29-F687-4f45-9708-019B960494DF}">
-              <a14:hiddenLine xmlns:a14="http://schemas.microsoft.com/office/drawing/2010/main" xmlns="" w="9525">
+              <a14:hiddenLine xmlns="" xmlns:a14="http://schemas.microsoft.com/office/drawing/2010/main" w="9525">
                 <a:solidFill>
                   <a:schemeClr val="tx1"/>
                 </a:solidFill>
@@ -16612,7 +16612,7 @@
               </a14:hiddenLine>
             </a:ext>
             <a:ext uri="{AF507438-7753-43e0-B8FC-AC1667EBCBE1}">
-              <a14:hiddenEffects xmlns:a14="http://schemas.microsoft.com/office/drawing/2010/main" xmlns="">
+              <a14:hiddenEffects xmlns="" xmlns:a14="http://schemas.microsoft.com/office/drawing/2010/main">
                 <a:effectLst>
                   <a:outerShdw blurRad="63500" dist="38099" dir="2700000" algn="ctr" rotWithShape="0">
                     <a:schemeClr val="bg2">
@@ -17325,7 +17325,7 @@
           </a:ln>
           <a:extLst>
             <a:ext uri="{909E8E84-426E-40dd-AFC4-6F175D3DCCD1}">
-              <a14:hiddenFill xmlns:a14="http://schemas.microsoft.com/office/drawing/2010/main" xmlns="">
+              <a14:hiddenFill xmlns="" xmlns:a14="http://schemas.microsoft.com/office/drawing/2010/main">
                 <a:noFill/>
               </a14:hiddenFill>
             </a:ext>
@@ -17364,7 +17364,7 @@
           </a:ln>
           <a:extLst>
             <a:ext uri="{909E8E84-426E-40dd-AFC4-6F175D3DCCD1}">
-              <a14:hiddenFill xmlns:a14="http://schemas.microsoft.com/office/drawing/2010/main" xmlns="">
+              <a14:hiddenFill xmlns="" xmlns:a14="http://schemas.microsoft.com/office/drawing/2010/main">
                 <a:noFill/>
               </a14:hiddenFill>
             </a:ext>
@@ -17475,14 +17475,14 @@
           </a:ln>
           <a:extLst>
             <a:ext uri="{909E8E84-426E-40dd-AFC4-6F175D3DCCD1}">
-              <a14:hiddenFill xmlns:a14="http://schemas.microsoft.com/office/drawing/2010/main" xmlns="">
+              <a14:hiddenFill xmlns="" xmlns:a14="http://schemas.microsoft.com/office/drawing/2010/main">
                 <a:solidFill>
                   <a:srgbClr val="FFFFFF"/>
                 </a:solidFill>
               </a14:hiddenFill>
             </a:ext>
             <a:ext uri="{91240B29-F687-4f45-9708-019B960494DF}">
-              <a14:hiddenLine xmlns:a14="http://schemas.microsoft.com/office/drawing/2010/main" xmlns="" w="12700">
+              <a14:hiddenLine xmlns="" xmlns:a14="http://schemas.microsoft.com/office/drawing/2010/main" w="12700">
                 <a:solidFill>
                   <a:srgbClr val="000000"/>
                 </a:solidFill>
@@ -17661,7 +17661,7 @@
             </a:ln>
             <a:extLst>
               <a:ext uri="{909E8E84-426E-40dd-AFC4-6F175D3DCCD1}">
-                <a14:hiddenFill xmlns:a14="http://schemas.microsoft.com/office/drawing/2010/main" xmlns="">
+                <a14:hiddenFill xmlns="" xmlns:a14="http://schemas.microsoft.com/office/drawing/2010/main">
                   <a:noFill/>
                 </a14:hiddenFill>
               </a:ext>
@@ -17702,7 +17702,7 @@
             </a:ln>
             <a:extLst>
               <a:ext uri="{909E8E84-426E-40dd-AFC4-6F175D3DCCD1}">
-                <a14:hiddenFill xmlns:a14="http://schemas.microsoft.com/office/drawing/2010/main" xmlns="">
+                <a14:hiddenFill xmlns="" xmlns:a14="http://schemas.microsoft.com/office/drawing/2010/main">
                   <a:noFill/>
                 </a14:hiddenFill>
               </a:ext>
@@ -17738,14 +17738,14 @@
             </a:ln>
             <a:extLst>
               <a:ext uri="{909E8E84-426E-40dd-AFC4-6F175D3DCCD1}">
-                <a14:hiddenFill xmlns:a14="http://schemas.microsoft.com/office/drawing/2010/main" xmlns="">
+                <a14:hiddenFill xmlns="" xmlns:a14="http://schemas.microsoft.com/office/drawing/2010/main">
                   <a:solidFill>
                     <a:srgbClr val="FFFFFF"/>
                   </a:solidFill>
                 </a14:hiddenFill>
               </a:ext>
               <a:ext uri="{91240B29-F687-4f45-9708-019B960494DF}">
-                <a14:hiddenLine xmlns:a14="http://schemas.microsoft.com/office/drawing/2010/main" xmlns="" w="12700">
+                <a14:hiddenLine xmlns="" xmlns:a14="http://schemas.microsoft.com/office/drawing/2010/main" w="12700">
                   <a:solidFill>
                     <a:srgbClr val="000000"/>
                   </a:solidFill>
@@ -17791,14 +17791,14 @@
             </a:ln>
             <a:extLst>
               <a:ext uri="{909E8E84-426E-40dd-AFC4-6F175D3DCCD1}">
-                <a14:hiddenFill xmlns:a14="http://schemas.microsoft.com/office/drawing/2010/main" xmlns="">
+                <a14:hiddenFill xmlns="" xmlns:a14="http://schemas.microsoft.com/office/drawing/2010/main">
                   <a:solidFill>
                     <a:srgbClr val="FFFFFF"/>
                   </a:solidFill>
                 </a14:hiddenFill>
               </a:ext>
               <a:ext uri="{91240B29-F687-4f45-9708-019B960494DF}">
-                <a14:hiddenLine xmlns:a14="http://schemas.microsoft.com/office/drawing/2010/main" xmlns="" w="12700">
+                <a14:hiddenLine xmlns="" xmlns:a14="http://schemas.microsoft.com/office/drawing/2010/main" w="12700">
                   <a:solidFill>
                     <a:srgbClr val="000000"/>
                   </a:solidFill>
@@ -17844,14 +17844,14 @@
             </a:ln>
             <a:extLst>
               <a:ext uri="{909E8E84-426E-40dd-AFC4-6F175D3DCCD1}">
-                <a14:hiddenFill xmlns:a14="http://schemas.microsoft.com/office/drawing/2010/main" xmlns="">
+                <a14:hiddenFill xmlns="" xmlns:a14="http://schemas.microsoft.com/office/drawing/2010/main">
                   <a:solidFill>
                     <a:srgbClr val="FFFFFF"/>
                   </a:solidFill>
                 </a14:hiddenFill>
               </a:ext>
               <a:ext uri="{91240B29-F687-4f45-9708-019B960494DF}">
-                <a14:hiddenLine xmlns:a14="http://schemas.microsoft.com/office/drawing/2010/main" xmlns="" w="12700">
+                <a14:hiddenLine xmlns="" xmlns:a14="http://schemas.microsoft.com/office/drawing/2010/main" w="12700">
                   <a:solidFill>
                     <a:srgbClr val="000000"/>
                   </a:solidFill>
@@ -18866,7 +18866,7 @@
             </a:ln>
             <a:extLst>
               <a:ext uri="{909E8E84-426E-40dd-AFC4-6F175D3DCCD1}">
-                <a14:hiddenFill xmlns:a14="http://schemas.microsoft.com/office/drawing/2010/main" xmlns="">
+                <a14:hiddenFill xmlns="" xmlns:a14="http://schemas.microsoft.com/office/drawing/2010/main">
                   <a:noFill/>
                 </a14:hiddenFill>
               </a:ext>
@@ -18905,7 +18905,7 @@
             </a:ln>
             <a:extLst>
               <a:ext uri="{909E8E84-426E-40dd-AFC4-6F175D3DCCD1}">
-                <a14:hiddenFill xmlns:a14="http://schemas.microsoft.com/office/drawing/2010/main" xmlns="">
+                <a14:hiddenFill xmlns="" xmlns:a14="http://schemas.microsoft.com/office/drawing/2010/main">
                   <a:noFill/>
                 </a14:hiddenFill>
               </a:ext>
@@ -18944,7 +18944,7 @@
             </a:ln>
             <a:extLst>
               <a:ext uri="{909E8E84-426E-40dd-AFC4-6F175D3DCCD1}">
-                <a14:hiddenFill xmlns:a14="http://schemas.microsoft.com/office/drawing/2010/main" xmlns="">
+                <a14:hiddenFill xmlns="" xmlns:a14="http://schemas.microsoft.com/office/drawing/2010/main">
                   <a:noFill/>
                 </a14:hiddenFill>
               </a:ext>
@@ -18983,7 +18983,7 @@
             </a:ln>
             <a:extLst>
               <a:ext uri="{909E8E84-426E-40dd-AFC4-6F175D3DCCD1}">
-                <a14:hiddenFill xmlns:a14="http://schemas.microsoft.com/office/drawing/2010/main" xmlns="">
+                <a14:hiddenFill xmlns="" xmlns:a14="http://schemas.microsoft.com/office/drawing/2010/main">
                   <a:noFill/>
                 </a14:hiddenFill>
               </a:ext>
@@ -19022,7 +19022,7 @@
             </a:ln>
             <a:extLst>
               <a:ext uri="{909E8E84-426E-40dd-AFC4-6F175D3DCCD1}">
-                <a14:hiddenFill xmlns:a14="http://schemas.microsoft.com/office/drawing/2010/main" xmlns="">
+                <a14:hiddenFill xmlns="" xmlns:a14="http://schemas.microsoft.com/office/drawing/2010/main">
                   <a:noFill/>
                 </a14:hiddenFill>
               </a:ext>
@@ -19061,7 +19061,7 @@
             </a:ln>
             <a:extLst>
               <a:ext uri="{909E8E84-426E-40dd-AFC4-6F175D3DCCD1}">
-                <a14:hiddenFill xmlns:a14="http://schemas.microsoft.com/office/drawing/2010/main" xmlns="">
+                <a14:hiddenFill xmlns="" xmlns:a14="http://schemas.microsoft.com/office/drawing/2010/main">
                   <a:noFill/>
                 </a14:hiddenFill>
               </a:ext>
@@ -21170,36 +21170,36 @@
               </a:tabLst>
             </a:pPr>
             <a:r>
-              <a:rPr lang="en-US" sz="2400" spc="-5" dirty="0" smtClean="0">
+              <a:rPr lang="en-US" spc="-5" dirty="0" smtClean="0">
                 <a:cs typeface="Arial"/>
               </a:rPr>
               <a:t>Functional </a:t>
             </a:r>
             <a:r>
+              <a:rPr lang="en-US" spc="-5" dirty="0">
+                <a:cs typeface="Arial"/>
+              </a:rPr>
+              <a:t>Decomposition </a:t>
+            </a:r>
+            <a:r>
+              <a:rPr lang="en-US" sz="2400" dirty="0">
+                <a:cs typeface="Arial"/>
+              </a:rPr>
+              <a:t>(most commonly described in </a:t>
+            </a:r>
+            <a:r>
+              <a:rPr lang="en-US" sz="2400" spc="-545" dirty="0">
+                <a:cs typeface="Arial"/>
+              </a:rPr>
+              <a:t> </a:t>
+            </a:r>
+            <a:r>
               <a:rPr lang="en-US" sz="2400" spc="-5" dirty="0">
                 <a:cs typeface="Arial"/>
               </a:rPr>
-              <a:t>Decomposition </a:t>
-            </a:r>
-            <a:r>
-              <a:rPr lang="en-US" sz="2000" dirty="0">
-                <a:cs typeface="Arial"/>
-              </a:rPr>
-              <a:t>(most commonly described in </a:t>
-            </a:r>
-            <a:r>
-              <a:rPr lang="en-US" sz="2000" spc="-545" dirty="0">
-                <a:cs typeface="Arial"/>
-              </a:rPr>
-              <a:t> </a:t>
-            </a:r>
-            <a:r>
-              <a:rPr lang="en-US" sz="2000" spc="-5" dirty="0">
-                <a:cs typeface="Arial"/>
-              </a:rPr>
               <a:t>the literature)</a:t>
             </a:r>
-            <a:endParaRPr lang="en-US" sz="2000" dirty="0">
+            <a:endParaRPr lang="en-US" sz="2400" dirty="0">
               <a:cs typeface="Arial"/>
             </a:endParaRPr>
           </a:p>
@@ -21218,12 +21218,12 @@
               </a:tabLst>
             </a:pPr>
             <a:r>
-              <a:rPr lang="en-US" sz="2000" spc="-30" dirty="0">
+              <a:rPr lang="en-US" spc="-30" dirty="0">
                 <a:cs typeface="Arial"/>
               </a:rPr>
               <a:t>Top-down</a:t>
             </a:r>
-            <a:endParaRPr lang="en-US" sz="2000" dirty="0">
+            <a:endParaRPr lang="en-US" dirty="0">
               <a:cs typeface="Arial"/>
             </a:endParaRPr>
           </a:p>
@@ -21242,12 +21242,12 @@
               </a:tabLst>
             </a:pPr>
             <a:r>
-              <a:rPr lang="en-US" sz="2000" spc="-5" dirty="0">
+              <a:rPr lang="en-US" spc="-5" dirty="0">
                 <a:cs typeface="Arial"/>
               </a:rPr>
               <a:t>Bottom-up</a:t>
             </a:r>
-            <a:endParaRPr lang="en-US" sz="2000" dirty="0">
+            <a:endParaRPr lang="en-US" dirty="0">
               <a:cs typeface="Arial"/>
             </a:endParaRPr>
           </a:p>
@@ -21266,7 +21266,7 @@
               </a:tabLst>
             </a:pPr>
             <a:r>
-              <a:rPr lang="en-US" sz="2000" dirty="0">
+              <a:rPr lang="en-US" dirty="0">
                 <a:cs typeface="Arial"/>
               </a:rPr>
               <a:t>Sandwich</a:t>
@@ -21287,24 +21287,24 @@
               </a:tabLst>
             </a:pPr>
             <a:r>
-              <a:rPr lang="en-US" sz="2000" dirty="0">
+              <a:rPr lang="en-US" dirty="0">
                 <a:cs typeface="Arial"/>
               </a:rPr>
               <a:t>“Big</a:t>
             </a:r>
             <a:r>
-              <a:rPr lang="en-US" sz="2000" spc="-80" dirty="0">
+              <a:rPr lang="en-US" spc="-80" dirty="0">
                 <a:cs typeface="Arial"/>
               </a:rPr>
               <a:t> </a:t>
             </a:r>
             <a:r>
-              <a:rPr lang="en-US" sz="2000" spc="-5" dirty="0">
+              <a:rPr lang="en-US" spc="-5" dirty="0">
                 <a:cs typeface="Arial"/>
               </a:rPr>
               <a:t>bang”</a:t>
             </a:r>
-            <a:endParaRPr lang="en-US" sz="2000" dirty="0">
+            <a:endParaRPr lang="en-US" dirty="0">
               <a:cs typeface="Arial"/>
             </a:endParaRPr>
           </a:p>
@@ -21322,19 +21322,19 @@
               </a:tabLst>
             </a:pPr>
             <a:r>
-              <a:rPr lang="en-US" sz="2400" dirty="0">
+              <a:rPr lang="en-US" dirty="0">
                 <a:cs typeface="Arial"/>
               </a:rPr>
               <a:t>Call</a:t>
             </a:r>
             <a:r>
-              <a:rPr lang="en-US" sz="2400" spc="-50" dirty="0">
+              <a:rPr lang="en-US" spc="-50" dirty="0">
                 <a:cs typeface="Arial"/>
               </a:rPr>
               <a:t> </a:t>
             </a:r>
             <a:r>
-              <a:rPr lang="en-US" sz="2400" dirty="0">
+              <a:rPr lang="en-US" dirty="0">
                 <a:cs typeface="Arial"/>
               </a:rPr>
               <a:t>graph</a:t>
@@ -21355,24 +21355,24 @@
               </a:tabLst>
             </a:pPr>
             <a:r>
-              <a:rPr lang="en-US" sz="2000" dirty="0">
+              <a:rPr lang="en-US" dirty="0">
                 <a:cs typeface="Arial"/>
               </a:rPr>
               <a:t>Pairwise</a:t>
             </a:r>
             <a:r>
-              <a:rPr lang="en-US" sz="2000" spc="-25" dirty="0">
+              <a:rPr lang="en-US" spc="-25" dirty="0">
                 <a:cs typeface="Arial"/>
               </a:rPr>
               <a:t> </a:t>
             </a:r>
             <a:r>
-              <a:rPr lang="en-US" sz="2000" spc="-5" dirty="0">
+              <a:rPr lang="en-US" spc="-5" dirty="0">
                 <a:cs typeface="Arial"/>
               </a:rPr>
               <a:t>integration</a:t>
             </a:r>
-            <a:endParaRPr lang="en-US" sz="2000" dirty="0">
+            <a:endParaRPr lang="en-US" dirty="0">
               <a:cs typeface="Arial"/>
             </a:endParaRPr>
           </a:p>
@@ -21391,124 +21391,32 @@
               </a:tabLst>
             </a:pPr>
             <a:r>
-              <a:rPr lang="en-US" sz="2000" dirty="0">
+              <a:rPr lang="en-US" dirty="0">
                 <a:cs typeface="Arial"/>
               </a:rPr>
               <a:t>Neighborhood</a:t>
             </a:r>
             <a:r>
-              <a:rPr lang="en-US" sz="2000" spc="-25" dirty="0">
+              <a:rPr lang="en-US" spc="-25" dirty="0">
                 <a:cs typeface="Arial"/>
               </a:rPr>
               <a:t> </a:t>
             </a:r>
             <a:r>
-              <a:rPr lang="en-US" sz="2000" spc="-5" dirty="0">
+              <a:rPr lang="en-US" spc="-5" dirty="0">
                 <a:cs typeface="Arial"/>
               </a:rPr>
               <a:t>integration</a:t>
             </a:r>
-            <a:endParaRPr lang="en-US" sz="2000" dirty="0">
+            <a:endParaRPr lang="en-US" dirty="0">
               <a:cs typeface="Arial"/>
             </a:endParaRPr>
           </a:p>
           <a:p>
-            <a:pPr marL="355600" indent="-342900">
-              <a:lnSpc>
-                <a:spcPct val="100000"/>
-              </a:lnSpc>
-              <a:spcBef>
-                <a:spcPts val="254"/>
-              </a:spcBef>
-              <a:tabLst>
-                <a:tab pos="354965" algn="l"/>
-                <a:tab pos="355600" algn="l"/>
-              </a:tabLst>
+            <a:pPr marL="0" indent="0">
+              <a:buNone/>
             </a:pPr>
-            <a:r>
-              <a:rPr lang="en-US" sz="2400" spc="-5" dirty="0">
-                <a:cs typeface="Arial"/>
-              </a:rPr>
-              <a:t>Paths</a:t>
-            </a:r>
-            <a:endParaRPr lang="en-US" sz="2400" dirty="0">
-              <a:cs typeface="Arial"/>
-            </a:endParaRPr>
-          </a:p>
-          <a:p>
-            <a:pPr marL="755650" lvl="1" indent="-286385">
-              <a:lnSpc>
-                <a:spcPct val="100000"/>
-              </a:lnSpc>
-              <a:spcBef>
-                <a:spcPts val="265"/>
-              </a:spcBef>
-              <a:buChar char="–"/>
-              <a:tabLst>
-                <a:tab pos="755015" algn="l"/>
-                <a:tab pos="755650" algn="l"/>
-              </a:tabLst>
-            </a:pPr>
-            <a:r>
-              <a:rPr lang="en-US" sz="2000" spc="-5" dirty="0">
-                <a:cs typeface="Arial"/>
-              </a:rPr>
-              <a:t>MM-Paths</a:t>
-            </a:r>
-            <a:endParaRPr lang="en-US" sz="2000" dirty="0">
-              <a:cs typeface="Arial"/>
-            </a:endParaRPr>
-          </a:p>
-          <a:p>
-            <a:pPr marL="755650" lvl="1" indent="-286385">
-              <a:lnSpc>
-                <a:spcPct val="100000"/>
-              </a:lnSpc>
-              <a:spcBef>
-                <a:spcPts val="200"/>
-              </a:spcBef>
-              <a:buChar char="–"/>
-              <a:tabLst>
-                <a:tab pos="755015" algn="l"/>
-                <a:tab pos="755650" algn="l"/>
-              </a:tabLst>
-            </a:pPr>
-            <a:r>
-              <a:rPr lang="en-US" sz="2000" spc="-5" dirty="0">
-                <a:cs typeface="Arial"/>
-              </a:rPr>
-              <a:t>Atomic</a:t>
-            </a:r>
-            <a:r>
-              <a:rPr lang="en-US" sz="2000" spc="-10" dirty="0">
-                <a:cs typeface="Arial"/>
-              </a:rPr>
-              <a:t> </a:t>
-            </a:r>
-            <a:r>
-              <a:rPr lang="en-US" sz="2000" spc="-5" dirty="0">
-                <a:cs typeface="Arial"/>
-              </a:rPr>
-              <a:t>System</a:t>
-            </a:r>
-            <a:r>
-              <a:rPr lang="en-US" sz="2000" spc="-10" dirty="0">
-                <a:cs typeface="Arial"/>
-              </a:rPr>
-              <a:t> </a:t>
-            </a:r>
-            <a:r>
-              <a:rPr lang="en-US" sz="2000" spc="-5" dirty="0">
-                <a:cs typeface="Arial"/>
-              </a:rPr>
-              <a:t>Functions</a:t>
-            </a:r>
-            <a:endParaRPr lang="en-US" sz="2000" dirty="0">
-              <a:cs typeface="Arial"/>
-            </a:endParaRPr>
-          </a:p>
-          <a:p>
-            <a:endParaRPr lang="en-US" dirty="0"/>
+            <a:endParaRPr lang="en-US" sz="3200" dirty="0"/>
           </a:p>
         </p:txBody>
       </p:sp>
@@ -21696,8 +21604,8 @@
         </p:nvSpPr>
         <p:spPr>
           <a:xfrm>
-            <a:off x="838200" y="1825625"/>
-            <a:ext cx="11353800" cy="4351338"/>
+            <a:off x="573024" y="1847850"/>
+            <a:ext cx="11442192" cy="4351338"/>
           </a:xfrm>
         </p:spPr>
         <p:txBody>
@@ -21873,83 +21781,14 @@
               <a:t> </a:t>
             </a:r>
             <a:r>
-              <a:rPr lang="en-US" dirty="0">
+              <a:rPr lang="en-US" dirty="0" smtClean="0">
                 <a:cs typeface="Arial"/>
               </a:rPr>
               <a:t>code</a:t>
-            </a:r>
-          </a:p>
-          <a:p>
-            <a:pPr marL="355600" indent="-342900">
-              <a:lnSpc>
-                <a:spcPct val="100000"/>
-              </a:lnSpc>
-              <a:spcBef>
-                <a:spcPts val="595"/>
-              </a:spcBef>
-              <a:tabLst>
-                <a:tab pos="354965" algn="l"/>
-                <a:tab pos="355600" algn="l"/>
-              </a:tabLst>
-            </a:pPr>
-            <a:r>
-              <a:rPr lang="en-US" spc="-5" dirty="0">
-                <a:cs typeface="Arial"/>
-              </a:rPr>
-              <a:t>MM-Paths</a:t>
             </a:r>
             <a:endParaRPr lang="en-US" dirty="0">
               <a:cs typeface="Arial"/>
             </a:endParaRPr>
-          </a:p>
-          <a:p>
-            <a:pPr marL="355600" marR="5080" indent="165100">
-              <a:lnSpc>
-                <a:spcPct val="101499"/>
-              </a:lnSpc>
-              <a:spcBef>
-                <a:spcPts val="480"/>
-              </a:spcBef>
-            </a:pPr>
-            <a:r>
-              <a:rPr lang="en-US" dirty="0">
-                <a:cs typeface="Arial"/>
-              </a:rPr>
-              <a:t>applies </a:t>
-            </a:r>
-            <a:r>
-              <a:rPr lang="en-US" spc="-5" dirty="0">
-                <a:cs typeface="Arial"/>
-              </a:rPr>
-              <a:t>to both </a:t>
-            </a:r>
-            <a:r>
-              <a:rPr lang="en-US" dirty="0">
-                <a:cs typeface="Arial"/>
-              </a:rPr>
-              <a:t>procedural and </a:t>
-            </a:r>
-            <a:r>
-              <a:rPr lang="en-US" spc="-5" dirty="0">
-                <a:cs typeface="Arial"/>
-              </a:rPr>
-              <a:t>object-oriented </a:t>
-            </a:r>
-            <a:r>
-              <a:rPr lang="en-US" spc="-655" dirty="0">
-                <a:cs typeface="Arial"/>
-              </a:rPr>
-              <a:t> </a:t>
-            </a:r>
-            <a:r>
-              <a:rPr lang="en-US" dirty="0">
-                <a:cs typeface="Arial"/>
-              </a:rPr>
-              <a:t>code</a:t>
-            </a:r>
-          </a:p>
-          <a:p>
-            <a:endParaRPr lang="en-US" dirty="0"/>
           </a:p>
         </p:txBody>
       </p:sp>
@@ -31466,14 +31305,14 @@
           <a:effectLst/>
           <a:extLst>
             <a:ext uri="{909E8E84-426E-40dd-AFC4-6F175D3DCCD1}">
-              <a14:hiddenFill xmlns:a14="http://schemas.microsoft.com/office/drawing/2010/main" xmlns="">
+              <a14:hiddenFill xmlns="" xmlns:a14="http://schemas.microsoft.com/office/drawing/2010/main">
                 <a:solidFill>
                   <a:schemeClr val="accent1"/>
                 </a:solidFill>
               </a14:hiddenFill>
             </a:ext>
             <a:ext uri="{91240B29-F687-4f45-9708-019B960494DF}">
-              <a14:hiddenLine xmlns:a14="http://schemas.microsoft.com/office/drawing/2010/main" xmlns="" w="9525">
+              <a14:hiddenLine xmlns="" xmlns:a14="http://schemas.microsoft.com/office/drawing/2010/main" w="9525">
                 <a:solidFill>
                   <a:schemeClr val="tx1"/>
                 </a:solidFill>
@@ -31483,7 +31322,7 @@
               </a14:hiddenLine>
             </a:ext>
             <a:ext uri="{AF507438-7753-43e0-B8FC-AC1667EBCBE1}">
-              <a14:hiddenEffects xmlns:a14="http://schemas.microsoft.com/office/drawing/2010/main" xmlns="">
+              <a14:hiddenEffects xmlns="" xmlns:a14="http://schemas.microsoft.com/office/drawing/2010/main">
                 <a:effectLst>
                   <a:outerShdw blurRad="63500" dist="38099" dir="2700000" algn="ctr" rotWithShape="0">
                     <a:schemeClr val="bg2">
@@ -49641,7 +49480,7 @@
           </a:ln>
           <a:extLst>
             <a:ext uri="{91240B29-F687-4f45-9708-019B960494DF}">
-              <a14:hiddenLine xmlns:a14="http://schemas.microsoft.com/office/drawing/2010/main" xmlns="" w="12700">
+              <a14:hiddenLine xmlns="" xmlns:a14="http://schemas.microsoft.com/office/drawing/2010/main" w="12700">
                 <a:solidFill>
                   <a:srgbClr val="000000"/>
                 </a:solidFill>
@@ -49684,7 +49523,7 @@
           </a:ln>
           <a:extLst>
             <a:ext uri="{91240B29-F687-4f45-9708-019B960494DF}">
-              <a14:hiddenLine xmlns:a14="http://schemas.microsoft.com/office/drawing/2010/main" xmlns="" w="12700">
+              <a14:hiddenLine xmlns="" xmlns:a14="http://schemas.microsoft.com/office/drawing/2010/main" w="12700">
                 <a:solidFill>
                   <a:srgbClr val="000000"/>
                 </a:solidFill>
@@ -49727,7 +49566,7 @@
           </a:ln>
           <a:extLst>
             <a:ext uri="{91240B29-F687-4f45-9708-019B960494DF}">
-              <a14:hiddenLine xmlns:a14="http://schemas.microsoft.com/office/drawing/2010/main" xmlns="" w="12700">
+              <a14:hiddenLine xmlns="" xmlns:a14="http://schemas.microsoft.com/office/drawing/2010/main" w="12700">
                 <a:solidFill>
                   <a:srgbClr val="000000"/>
                 </a:solidFill>
@@ -49770,7 +49609,7 @@
           </a:ln>
           <a:extLst>
             <a:ext uri="{91240B29-F687-4f45-9708-019B960494DF}">
-              <a14:hiddenLine xmlns:a14="http://schemas.microsoft.com/office/drawing/2010/main" xmlns="" w="12700">
+              <a14:hiddenLine xmlns="" xmlns:a14="http://schemas.microsoft.com/office/drawing/2010/main" w="12700">
                 <a:solidFill>
                   <a:srgbClr val="000000"/>
                 </a:solidFill>
@@ -49813,7 +49652,7 @@
           </a:ln>
           <a:extLst>
             <a:ext uri="{91240B29-F687-4f45-9708-019B960494DF}">
-              <a14:hiddenLine xmlns:a14="http://schemas.microsoft.com/office/drawing/2010/main" xmlns="" w="12700">
+              <a14:hiddenLine xmlns="" xmlns:a14="http://schemas.microsoft.com/office/drawing/2010/main" w="12700">
                 <a:solidFill>
                   <a:srgbClr val="000000"/>
                 </a:solidFill>
@@ -49856,7 +49695,7 @@
           </a:ln>
           <a:extLst>
             <a:ext uri="{91240B29-F687-4f45-9708-019B960494DF}">
-              <a14:hiddenLine xmlns:a14="http://schemas.microsoft.com/office/drawing/2010/main" xmlns="" w="12700">
+              <a14:hiddenLine xmlns="" xmlns:a14="http://schemas.microsoft.com/office/drawing/2010/main" w="12700">
                 <a:solidFill>
                   <a:srgbClr val="000000"/>
                 </a:solidFill>
@@ -49899,7 +49738,7 @@
           </a:ln>
           <a:extLst>
             <a:ext uri="{91240B29-F687-4f45-9708-019B960494DF}">
-              <a14:hiddenLine xmlns:a14="http://schemas.microsoft.com/office/drawing/2010/main" xmlns="" w="12700">
+              <a14:hiddenLine xmlns="" xmlns:a14="http://schemas.microsoft.com/office/drawing/2010/main" w="12700">
                 <a:solidFill>
                   <a:srgbClr val="000000"/>
                 </a:solidFill>
@@ -49945,7 +49784,7 @@
           </a:ln>
           <a:extLst>
             <a:ext uri="{909E8E84-426E-40dd-AFC4-6F175D3DCCD1}">
-              <a14:hiddenFill xmlns:a14="http://schemas.microsoft.com/office/drawing/2010/main" xmlns="">
+              <a14:hiddenFill xmlns="" xmlns:a14="http://schemas.microsoft.com/office/drawing/2010/main">
                 <a:solidFill>
                   <a:srgbClr val="FFFFFF"/>
                 </a:solidFill>
@@ -49999,7 +49838,7 @@
           </a:ln>
           <a:extLst>
             <a:ext uri="{909E8E84-426E-40dd-AFC4-6F175D3DCCD1}">
-              <a14:hiddenFill xmlns:a14="http://schemas.microsoft.com/office/drawing/2010/main" xmlns="">
+              <a14:hiddenFill xmlns="" xmlns:a14="http://schemas.microsoft.com/office/drawing/2010/main">
                 <a:solidFill>
                   <a:srgbClr val="FFFFFF"/>
                 </a:solidFill>
@@ -50053,7 +49892,7 @@
           </a:ln>
           <a:extLst>
             <a:ext uri="{909E8E84-426E-40dd-AFC4-6F175D3DCCD1}">
-              <a14:hiddenFill xmlns:a14="http://schemas.microsoft.com/office/drawing/2010/main" xmlns="">
+              <a14:hiddenFill xmlns="" xmlns:a14="http://schemas.microsoft.com/office/drawing/2010/main">
                 <a:solidFill>
                   <a:srgbClr val="FFFFFF"/>
                 </a:solidFill>
@@ -50135,7 +49974,7 @@
           </a:ln>
           <a:extLst>
             <a:ext uri="{909E8E84-426E-40dd-AFC4-6F175D3DCCD1}">
-              <a14:hiddenFill xmlns:a14="http://schemas.microsoft.com/office/drawing/2010/main" xmlns="">
+              <a14:hiddenFill xmlns="" xmlns:a14="http://schemas.microsoft.com/office/drawing/2010/main">
                 <a:noFill/>
               </a14:hiddenFill>
             </a:ext>
@@ -50176,7 +50015,7 @@
           </a:ln>
           <a:extLst>
             <a:ext uri="{909E8E84-426E-40dd-AFC4-6F175D3DCCD1}">
-              <a14:hiddenFill xmlns:a14="http://schemas.microsoft.com/office/drawing/2010/main" xmlns="">
+              <a14:hiddenFill xmlns="" xmlns:a14="http://schemas.microsoft.com/office/drawing/2010/main">
                 <a:noFill/>
               </a14:hiddenFill>
             </a:ext>
@@ -50212,14 +50051,14 @@
           </a:ln>
           <a:extLst>
             <a:ext uri="{909E8E84-426E-40dd-AFC4-6F175D3DCCD1}">
-              <a14:hiddenFill xmlns:a14="http://schemas.microsoft.com/office/drawing/2010/main" xmlns="">
+              <a14:hiddenFill xmlns="" xmlns:a14="http://schemas.microsoft.com/office/drawing/2010/main">
                 <a:solidFill>
                   <a:srgbClr val="FFFFFF"/>
                 </a:solidFill>
               </a14:hiddenFill>
             </a:ext>
             <a:ext uri="{91240B29-F687-4f45-9708-019B960494DF}">
-              <a14:hiddenLine xmlns:a14="http://schemas.microsoft.com/office/drawing/2010/main" xmlns="" w="12700">
+              <a14:hiddenLine xmlns="" xmlns:a14="http://schemas.microsoft.com/office/drawing/2010/main" w="12700">
                 <a:solidFill>
                   <a:srgbClr val="000000"/>
                 </a:solidFill>
@@ -50265,14 +50104,14 @@
           </a:ln>
           <a:extLst>
             <a:ext uri="{909E8E84-426E-40dd-AFC4-6F175D3DCCD1}">
-              <a14:hiddenFill xmlns:a14="http://schemas.microsoft.com/office/drawing/2010/main" xmlns="">
+              <a14:hiddenFill xmlns="" xmlns:a14="http://schemas.microsoft.com/office/drawing/2010/main">
                 <a:solidFill>
                   <a:srgbClr val="FFFFFF"/>
                 </a:solidFill>
               </a14:hiddenFill>
             </a:ext>
             <a:ext uri="{91240B29-F687-4f45-9708-019B960494DF}">
-              <a14:hiddenLine xmlns:a14="http://schemas.microsoft.com/office/drawing/2010/main" xmlns="" w="12700">
+              <a14:hiddenLine xmlns="" xmlns:a14="http://schemas.microsoft.com/office/drawing/2010/main" w="12700">
                 <a:solidFill>
                   <a:srgbClr val="000000"/>
                 </a:solidFill>
@@ -50318,14 +50157,14 @@
           </a:ln>
           <a:extLst>
             <a:ext uri="{909E8E84-426E-40dd-AFC4-6F175D3DCCD1}">
-              <a14:hiddenFill xmlns:a14="http://schemas.microsoft.com/office/drawing/2010/main" xmlns="">
+              <a14:hiddenFill xmlns="" xmlns:a14="http://schemas.microsoft.com/office/drawing/2010/main">
                 <a:solidFill>
                   <a:srgbClr val="FFFFFF"/>
                 </a:solidFill>
               </a14:hiddenFill>
             </a:ext>
             <a:ext uri="{91240B29-F687-4f45-9708-019B960494DF}">
-              <a14:hiddenLine xmlns:a14="http://schemas.microsoft.com/office/drawing/2010/main" xmlns="" w="12700">
+              <a14:hiddenLine xmlns="" xmlns:a14="http://schemas.microsoft.com/office/drawing/2010/main" w="12700">
                 <a:solidFill>
                   <a:srgbClr val="000000"/>
                 </a:solidFill>
@@ -51021,7 +50860,7 @@
           </a:ln>
           <a:extLst>
             <a:ext uri="{909E8E84-426E-40dd-AFC4-6F175D3DCCD1}">
-              <a14:hiddenFill xmlns:a14="http://schemas.microsoft.com/office/drawing/2010/main" xmlns="">
+              <a14:hiddenFill xmlns="" xmlns:a14="http://schemas.microsoft.com/office/drawing/2010/main">
                 <a:noFill/>
               </a14:hiddenFill>
             </a:ext>
@@ -51060,7 +50899,7 @@
           </a:ln>
           <a:extLst>
             <a:ext uri="{909E8E84-426E-40dd-AFC4-6F175D3DCCD1}">
-              <a14:hiddenFill xmlns:a14="http://schemas.microsoft.com/office/drawing/2010/main" xmlns="">
+              <a14:hiddenFill xmlns="" xmlns:a14="http://schemas.microsoft.com/office/drawing/2010/main">
                 <a:noFill/>
               </a14:hiddenFill>
             </a:ext>
@@ -51099,7 +50938,7 @@
           </a:ln>
           <a:extLst>
             <a:ext uri="{909E8E84-426E-40dd-AFC4-6F175D3DCCD1}">
-              <a14:hiddenFill xmlns:a14="http://schemas.microsoft.com/office/drawing/2010/main" xmlns="">
+              <a14:hiddenFill xmlns="" xmlns:a14="http://schemas.microsoft.com/office/drawing/2010/main">
                 <a:noFill/>
               </a14:hiddenFill>
             </a:ext>
@@ -51138,7 +50977,7 @@
           </a:ln>
           <a:extLst>
             <a:ext uri="{909E8E84-426E-40dd-AFC4-6F175D3DCCD1}">
-              <a14:hiddenFill xmlns:a14="http://schemas.microsoft.com/office/drawing/2010/main" xmlns="">
+              <a14:hiddenFill xmlns="" xmlns:a14="http://schemas.microsoft.com/office/drawing/2010/main">
                 <a:noFill/>
               </a14:hiddenFill>
             </a:ext>
@@ -51177,7 +51016,7 @@
           </a:ln>
           <a:extLst>
             <a:ext uri="{909E8E84-426E-40dd-AFC4-6F175D3DCCD1}">
-              <a14:hiddenFill xmlns:a14="http://schemas.microsoft.com/office/drawing/2010/main" xmlns="">
+              <a14:hiddenFill xmlns="" xmlns:a14="http://schemas.microsoft.com/office/drawing/2010/main">
                 <a:noFill/>
               </a14:hiddenFill>
             </a:ext>
@@ -51216,7 +51055,7 @@
           </a:ln>
           <a:extLst>
             <a:ext uri="{909E8E84-426E-40dd-AFC4-6F175D3DCCD1}">
-              <a14:hiddenFill xmlns:a14="http://schemas.microsoft.com/office/drawing/2010/main" xmlns="">
+              <a14:hiddenFill xmlns="" xmlns:a14="http://schemas.microsoft.com/office/drawing/2010/main">
                 <a:noFill/>
               </a14:hiddenFill>
             </a:ext>
@@ -51250,7 +51089,7 @@
           </a:ln>
           <a:extLst>
             <a:ext uri="{909E8E84-426E-40dd-AFC4-6F175D3DCCD1}">
-              <a14:hiddenFill xmlns:a14="http://schemas.microsoft.com/office/drawing/2010/main" xmlns="">
+              <a14:hiddenFill xmlns="" xmlns:a14="http://schemas.microsoft.com/office/drawing/2010/main">
                 <a:solidFill>
                   <a:srgbClr val="FFFFFF"/>
                 </a:solidFill>
@@ -51435,7 +51274,7 @@
           </a:ln>
           <a:extLst>
             <a:ext uri="{909E8E84-426E-40dd-AFC4-6F175D3DCCD1}">
-              <a14:hiddenFill xmlns:a14="http://schemas.microsoft.com/office/drawing/2010/main" xmlns="">
+              <a14:hiddenFill xmlns="" xmlns:a14="http://schemas.microsoft.com/office/drawing/2010/main">
                 <a:noFill/>
               </a14:hiddenFill>
             </a:ext>
@@ -51471,14 +51310,14 @@
           </a:ln>
           <a:extLst>
             <a:ext uri="{909E8E84-426E-40dd-AFC4-6F175D3DCCD1}">
-              <a14:hiddenFill xmlns:a14="http://schemas.microsoft.com/office/drawing/2010/main" xmlns="">
+              <a14:hiddenFill xmlns="" xmlns:a14="http://schemas.microsoft.com/office/drawing/2010/main">
                 <a:solidFill>
                   <a:srgbClr val="FFFFFF"/>
                 </a:solidFill>
               </a14:hiddenFill>
             </a:ext>
             <a:ext uri="{91240B29-F687-4f45-9708-019B960494DF}">
-              <a14:hiddenLine xmlns:a14="http://schemas.microsoft.com/office/drawing/2010/main" xmlns="" w="12700">
+              <a14:hiddenLine xmlns="" xmlns:a14="http://schemas.microsoft.com/office/drawing/2010/main" w="12700">
                 <a:solidFill>
                   <a:srgbClr val="000000"/>
                 </a:solidFill>
@@ -51634,14 +51473,14 @@
           </a:ln>
           <a:extLst>
             <a:ext uri="{909E8E84-426E-40dd-AFC4-6F175D3DCCD1}">
-              <a14:hiddenFill xmlns:a14="http://schemas.microsoft.com/office/drawing/2010/main" xmlns="">
+              <a14:hiddenFill xmlns="" xmlns:a14="http://schemas.microsoft.com/office/drawing/2010/main">
                 <a:solidFill>
                   <a:srgbClr val="FFFFFF"/>
                 </a:solidFill>
               </a14:hiddenFill>
             </a:ext>
             <a:ext uri="{91240B29-F687-4f45-9708-019B960494DF}">
-              <a14:hiddenLine xmlns:a14="http://schemas.microsoft.com/office/drawing/2010/main" xmlns="" w="12700">
+              <a14:hiddenLine xmlns="" xmlns:a14="http://schemas.microsoft.com/office/drawing/2010/main" w="12700">
                 <a:solidFill>
                   <a:srgbClr val="000000"/>
                 </a:solidFill>
@@ -51806,14 +51645,14 @@
           </a:ln>
           <a:extLst>
             <a:ext uri="{909E8E84-426E-40dd-AFC4-6F175D3DCCD1}">
-              <a14:hiddenFill xmlns:a14="http://schemas.microsoft.com/office/drawing/2010/main" xmlns="">
+              <a14:hiddenFill xmlns="" xmlns:a14="http://schemas.microsoft.com/office/drawing/2010/main">
                 <a:solidFill>
                   <a:srgbClr val="FFFFFF"/>
                 </a:solidFill>
               </a14:hiddenFill>
             </a:ext>
             <a:ext uri="{91240B29-F687-4f45-9708-019B960494DF}">
-              <a14:hiddenLine xmlns:a14="http://schemas.microsoft.com/office/drawing/2010/main" xmlns="" w="12700">
+              <a14:hiddenLine xmlns="" xmlns:a14="http://schemas.microsoft.com/office/drawing/2010/main" w="12700">
                 <a:solidFill>
                   <a:srgbClr val="000000"/>
                 </a:solidFill>
@@ -51974,7 +51813,7 @@
           </a:ln>
           <a:extLst>
             <a:ext uri="{909E8E84-426E-40dd-AFC4-6F175D3DCCD1}">
-              <a14:hiddenFill xmlns:a14="http://schemas.microsoft.com/office/drawing/2010/main" xmlns="">
+              <a14:hiddenFill xmlns="" xmlns:a14="http://schemas.microsoft.com/office/drawing/2010/main">
                 <a:noFill/>
               </a14:hiddenFill>
             </a:ext>
@@ -52015,7 +51854,7 @@
           </a:ln>
           <a:extLst>
             <a:ext uri="{909E8E84-426E-40dd-AFC4-6F175D3DCCD1}">
-              <a14:hiddenFill xmlns:a14="http://schemas.microsoft.com/office/drawing/2010/main" xmlns="">
+              <a14:hiddenFill xmlns="" xmlns:a14="http://schemas.microsoft.com/office/drawing/2010/main">
                 <a:noFill/>
               </a14:hiddenFill>
             </a:ext>
@@ -52056,7 +51895,7 @@
           </a:ln>
           <a:extLst>
             <a:ext uri="{909E8E84-426E-40dd-AFC4-6F175D3DCCD1}">
-              <a14:hiddenFill xmlns:a14="http://schemas.microsoft.com/office/drawing/2010/main" xmlns="">
+              <a14:hiddenFill xmlns="" xmlns:a14="http://schemas.microsoft.com/office/drawing/2010/main">
                 <a:noFill/>
               </a14:hiddenFill>
             </a:ext>
@@ -53164,14 +53003,14 @@
           </a:ln>
           <a:extLst>
             <a:ext uri="{909E8E84-426E-40dd-AFC4-6F175D3DCCD1}">
-              <a14:hiddenFill xmlns:a14="http://schemas.microsoft.com/office/drawing/2010/main" xmlns="">
+              <a14:hiddenFill xmlns="" xmlns:a14="http://schemas.microsoft.com/office/drawing/2010/main">
                 <a:solidFill>
                   <a:srgbClr val="FFFFFF"/>
                 </a:solidFill>
               </a14:hiddenFill>
             </a:ext>
             <a:ext uri="{91240B29-F687-4f45-9708-019B960494DF}">
-              <a14:hiddenLine xmlns:a14="http://schemas.microsoft.com/office/drawing/2010/main" xmlns="" w="12700">
+              <a14:hiddenLine xmlns="" xmlns:a14="http://schemas.microsoft.com/office/drawing/2010/main" w="12700">
                 <a:solidFill>
                   <a:srgbClr val="000000"/>
                 </a:solidFill>
@@ -53212,14 +53051,14 @@
           </a:ln>
           <a:extLst>
             <a:ext uri="{909E8E84-426E-40dd-AFC4-6F175D3DCCD1}">
-              <a14:hiddenFill xmlns:a14="http://schemas.microsoft.com/office/drawing/2010/main" xmlns="">
+              <a14:hiddenFill xmlns="" xmlns:a14="http://schemas.microsoft.com/office/drawing/2010/main">
                 <a:solidFill>
                   <a:srgbClr val="FFFFFF"/>
                 </a:solidFill>
               </a14:hiddenFill>
             </a:ext>
             <a:ext uri="{91240B29-F687-4f45-9708-019B960494DF}">
-              <a14:hiddenLine xmlns:a14="http://schemas.microsoft.com/office/drawing/2010/main" xmlns="" w="12700">
+              <a14:hiddenLine xmlns="" xmlns:a14="http://schemas.microsoft.com/office/drawing/2010/main" w="12700">
                 <a:solidFill>
                   <a:srgbClr val="000000"/>
                 </a:solidFill>
@@ -53260,14 +53099,14 @@
           </a:ln>
           <a:extLst>
             <a:ext uri="{909E8E84-426E-40dd-AFC4-6F175D3DCCD1}">
-              <a14:hiddenFill xmlns:a14="http://schemas.microsoft.com/office/drawing/2010/main" xmlns="">
+              <a14:hiddenFill xmlns="" xmlns:a14="http://schemas.microsoft.com/office/drawing/2010/main">
                 <a:solidFill>
                   <a:srgbClr val="FFFFFF"/>
                 </a:solidFill>
               </a14:hiddenFill>
             </a:ext>
             <a:ext uri="{91240B29-F687-4f45-9708-019B960494DF}">
-              <a14:hiddenLine xmlns:a14="http://schemas.microsoft.com/office/drawing/2010/main" xmlns="" w="12700">
+              <a14:hiddenLine xmlns="" xmlns:a14="http://schemas.microsoft.com/office/drawing/2010/main" w="12700">
                 <a:solidFill>
                   <a:srgbClr val="000000"/>
                 </a:solidFill>
@@ -53317,14 +53156,14 @@
           </a:ln>
           <a:extLst>
             <a:ext uri="{909E8E84-426E-40dd-AFC4-6F175D3DCCD1}">
-              <a14:hiddenFill xmlns:a14="http://schemas.microsoft.com/office/drawing/2010/main" xmlns="">
+              <a14:hiddenFill xmlns="" xmlns:a14="http://schemas.microsoft.com/office/drawing/2010/main">
                 <a:solidFill>
                   <a:srgbClr val="FFFFFF"/>
                 </a:solidFill>
               </a14:hiddenFill>
             </a:ext>
             <a:ext uri="{91240B29-F687-4f45-9708-019B960494DF}">
-              <a14:hiddenLine xmlns:a14="http://schemas.microsoft.com/office/drawing/2010/main" xmlns="" w="12700">
+              <a14:hiddenLine xmlns="" xmlns:a14="http://schemas.microsoft.com/office/drawing/2010/main" w="12700">
                 <a:solidFill>
                   <a:srgbClr val="000000"/>
                 </a:solidFill>
@@ -53365,14 +53204,14 @@
           </a:ln>
           <a:extLst>
             <a:ext uri="{909E8E84-426E-40dd-AFC4-6F175D3DCCD1}">
-              <a14:hiddenFill xmlns:a14="http://schemas.microsoft.com/office/drawing/2010/main" xmlns="">
+              <a14:hiddenFill xmlns="" xmlns:a14="http://schemas.microsoft.com/office/drawing/2010/main">
                 <a:solidFill>
                   <a:srgbClr val="FFFFFF"/>
                 </a:solidFill>
               </a14:hiddenFill>
             </a:ext>
             <a:ext uri="{91240B29-F687-4f45-9708-019B960494DF}">
-              <a14:hiddenLine xmlns:a14="http://schemas.microsoft.com/office/drawing/2010/main" xmlns="" w="12700">
+              <a14:hiddenLine xmlns="" xmlns:a14="http://schemas.microsoft.com/office/drawing/2010/main" w="12700">
                 <a:solidFill>
                   <a:srgbClr val="000000"/>
                 </a:solidFill>
@@ -53413,14 +53252,14 @@
           </a:ln>
           <a:extLst>
             <a:ext uri="{909E8E84-426E-40dd-AFC4-6F175D3DCCD1}">
-              <a14:hiddenFill xmlns:a14="http://schemas.microsoft.com/office/drawing/2010/main" xmlns="">
+              <a14:hiddenFill xmlns="" xmlns:a14="http://schemas.microsoft.com/office/drawing/2010/main">
                 <a:solidFill>
                   <a:srgbClr val="FFFFFF"/>
                 </a:solidFill>
               </a14:hiddenFill>
             </a:ext>
             <a:ext uri="{91240B29-F687-4f45-9708-019B960494DF}">
-              <a14:hiddenLine xmlns:a14="http://schemas.microsoft.com/office/drawing/2010/main" xmlns="" w="12700">
+              <a14:hiddenLine xmlns="" xmlns:a14="http://schemas.microsoft.com/office/drawing/2010/main" w="12700">
                 <a:solidFill>
                   <a:srgbClr val="000000"/>
                 </a:solidFill>
@@ -53470,14 +53309,14 @@
           </a:ln>
           <a:extLst>
             <a:ext uri="{909E8E84-426E-40dd-AFC4-6F175D3DCCD1}">
-              <a14:hiddenFill xmlns:a14="http://schemas.microsoft.com/office/drawing/2010/main" xmlns="">
+              <a14:hiddenFill xmlns="" xmlns:a14="http://schemas.microsoft.com/office/drawing/2010/main">
                 <a:solidFill>
                   <a:srgbClr val="FFFFFF"/>
                 </a:solidFill>
               </a14:hiddenFill>
             </a:ext>
             <a:ext uri="{91240B29-F687-4f45-9708-019B960494DF}">
-              <a14:hiddenLine xmlns:a14="http://schemas.microsoft.com/office/drawing/2010/main" xmlns="" w="12700">
+              <a14:hiddenLine xmlns="" xmlns:a14="http://schemas.microsoft.com/office/drawing/2010/main" w="12700">
                 <a:solidFill>
                   <a:srgbClr val="000000"/>
                 </a:solidFill>
@@ -53518,14 +53357,14 @@
           </a:ln>
           <a:extLst>
             <a:ext uri="{909E8E84-426E-40dd-AFC4-6F175D3DCCD1}">
-              <a14:hiddenFill xmlns:a14="http://schemas.microsoft.com/office/drawing/2010/main" xmlns="">
+              <a14:hiddenFill xmlns="" xmlns:a14="http://schemas.microsoft.com/office/drawing/2010/main">
                 <a:solidFill>
                   <a:srgbClr val="FFFFFF"/>
                 </a:solidFill>
               </a14:hiddenFill>
             </a:ext>
             <a:ext uri="{91240B29-F687-4f45-9708-019B960494DF}">
-              <a14:hiddenLine xmlns:a14="http://schemas.microsoft.com/office/drawing/2010/main" xmlns="" w="12700">
+              <a14:hiddenLine xmlns="" xmlns:a14="http://schemas.microsoft.com/office/drawing/2010/main" w="12700">
                 <a:solidFill>
                   <a:srgbClr val="000000"/>
                 </a:solidFill>
@@ -53566,14 +53405,14 @@
           </a:ln>
           <a:extLst>
             <a:ext uri="{909E8E84-426E-40dd-AFC4-6F175D3DCCD1}">
-              <a14:hiddenFill xmlns:a14="http://schemas.microsoft.com/office/drawing/2010/main" xmlns="">
+              <a14:hiddenFill xmlns="" xmlns:a14="http://schemas.microsoft.com/office/drawing/2010/main">
                 <a:solidFill>
                   <a:srgbClr val="FFFFFF"/>
                 </a:solidFill>
               </a14:hiddenFill>
             </a:ext>
             <a:ext uri="{91240B29-F687-4f45-9708-019B960494DF}">
-              <a14:hiddenLine xmlns:a14="http://schemas.microsoft.com/office/drawing/2010/main" xmlns="" w="12700">
+              <a14:hiddenLine xmlns="" xmlns:a14="http://schemas.microsoft.com/office/drawing/2010/main" w="12700">
                 <a:solidFill>
                   <a:srgbClr val="000000"/>
                 </a:solidFill>
@@ -53614,14 +53453,14 @@
           </a:ln>
           <a:extLst>
             <a:ext uri="{909E8E84-426E-40dd-AFC4-6F175D3DCCD1}">
-              <a14:hiddenFill xmlns:a14="http://schemas.microsoft.com/office/drawing/2010/main" xmlns="">
+              <a14:hiddenFill xmlns="" xmlns:a14="http://schemas.microsoft.com/office/drawing/2010/main">
                 <a:solidFill>
                   <a:srgbClr val="FFFFFF"/>
                 </a:solidFill>
               </a14:hiddenFill>
             </a:ext>
             <a:ext uri="{91240B29-F687-4f45-9708-019B960494DF}">
-              <a14:hiddenLine xmlns:a14="http://schemas.microsoft.com/office/drawing/2010/main" xmlns="" w="12700">
+              <a14:hiddenLine xmlns="" xmlns:a14="http://schemas.microsoft.com/office/drawing/2010/main" w="12700">
                 <a:solidFill>
                   <a:srgbClr val="000000"/>
                 </a:solidFill>
@@ -53662,14 +53501,14 @@
           </a:ln>
           <a:extLst>
             <a:ext uri="{909E8E84-426E-40dd-AFC4-6F175D3DCCD1}">
-              <a14:hiddenFill xmlns:a14="http://schemas.microsoft.com/office/drawing/2010/main" xmlns="">
+              <a14:hiddenFill xmlns="" xmlns:a14="http://schemas.microsoft.com/office/drawing/2010/main">
                 <a:solidFill>
                   <a:srgbClr val="FFFFFF"/>
                 </a:solidFill>
               </a14:hiddenFill>
             </a:ext>
             <a:ext uri="{91240B29-F687-4f45-9708-019B960494DF}">
-              <a14:hiddenLine xmlns:a14="http://schemas.microsoft.com/office/drawing/2010/main" xmlns="" w="12700">
+              <a14:hiddenLine xmlns="" xmlns:a14="http://schemas.microsoft.com/office/drawing/2010/main" w="12700">
                 <a:solidFill>
                   <a:srgbClr val="000000"/>
                 </a:solidFill>
@@ -53710,14 +53549,14 @@
           </a:ln>
           <a:extLst>
             <a:ext uri="{909E8E84-426E-40dd-AFC4-6F175D3DCCD1}">
-              <a14:hiddenFill xmlns:a14="http://schemas.microsoft.com/office/drawing/2010/main" xmlns="">
+              <a14:hiddenFill xmlns="" xmlns:a14="http://schemas.microsoft.com/office/drawing/2010/main">
                 <a:solidFill>
                   <a:srgbClr val="FFFFFF"/>
                 </a:solidFill>
               </a14:hiddenFill>
             </a:ext>
             <a:ext uri="{91240B29-F687-4f45-9708-019B960494DF}">
-              <a14:hiddenLine xmlns:a14="http://schemas.microsoft.com/office/drawing/2010/main" xmlns="" w="12700">
+              <a14:hiddenLine xmlns="" xmlns:a14="http://schemas.microsoft.com/office/drawing/2010/main" w="12700">
                 <a:solidFill>
                   <a:srgbClr val="000000"/>
                 </a:solidFill>
@@ -53758,14 +53597,14 @@
           </a:ln>
           <a:extLst>
             <a:ext uri="{909E8E84-426E-40dd-AFC4-6F175D3DCCD1}">
-              <a14:hiddenFill xmlns:a14="http://schemas.microsoft.com/office/drawing/2010/main" xmlns="">
+              <a14:hiddenFill xmlns="" xmlns:a14="http://schemas.microsoft.com/office/drawing/2010/main">
                 <a:solidFill>
                   <a:srgbClr val="FFFFFF"/>
                 </a:solidFill>
               </a14:hiddenFill>
             </a:ext>
             <a:ext uri="{91240B29-F687-4f45-9708-019B960494DF}">
-              <a14:hiddenLine xmlns:a14="http://schemas.microsoft.com/office/drawing/2010/main" xmlns="" w="12700">
+              <a14:hiddenLine xmlns="" xmlns:a14="http://schemas.microsoft.com/office/drawing/2010/main" w="12700">
                 <a:solidFill>
                   <a:srgbClr val="000000"/>
                 </a:solidFill>

--- a/SE401/Lectures/8-Integration, System and Regression Testing/1-Integration Testing.pptx
+++ b/SE401/Lectures/8-Integration, System and Regression Testing/1-Integration Testing.pptx
@@ -259,7 +259,7 @@
           <a:p>
             <a:fld id="{29DC965F-4EE6-424F-87B9-6E4E065EFA1D}" type="datetimeFigureOut">
               <a:rPr lang="en-US" smtClean="0"/>
-              <a:t>11/7/2021</a:t>
+              <a:t>11/9/2021</a:t>
             </a:fld>
             <a:endParaRPr lang="en-US"/>
           </a:p>
@@ -3315,7 +3315,7 @@
           <a:ln/>
           <a:extLst>
             <a:ext uri="{FAA26D3D-D897-4be2-8F04-BA451C77F1D7}">
-              <ma14:placeholderFlag xmlns="" xmlns:ma14="http://schemas.microsoft.com/office/mac/drawingml/2011/main" val="1"/>
+              <ma14:placeholderFlag xmlns:ma14="http://schemas.microsoft.com/office/mac/drawingml/2011/main" xmlns="" val="1"/>
             </a:ext>
           </a:extLst>
         </p:spPr>
@@ -3494,7 +3494,7 @@
           <a:ln/>
           <a:extLst>
             <a:ext uri="{FAA26D3D-D897-4be2-8F04-BA451C77F1D7}">
-              <ma14:placeholderFlag xmlns="" xmlns:ma14="http://schemas.microsoft.com/office/mac/drawingml/2011/main" val="1"/>
+              <ma14:placeholderFlag xmlns:ma14="http://schemas.microsoft.com/office/mac/drawingml/2011/main" xmlns="" val="1"/>
             </a:ext>
           </a:extLst>
         </p:spPr>
@@ -3688,14 +3688,14 @@
           <a:ln w="9525"/>
           <a:extLst>
             <a:ext uri="{909E8E84-426E-40dd-AFC4-6F175D3DCCD1}">
-              <a14:hiddenFill xmlns="" xmlns:a14="http://schemas.microsoft.com/office/drawing/2010/main">
+              <a14:hiddenFill xmlns:a14="http://schemas.microsoft.com/office/drawing/2010/main" xmlns="">
                 <a:solidFill>
                   <a:srgbClr val="FFFFFF"/>
                 </a:solidFill>
               </a14:hiddenFill>
             </a:ext>
             <a:ext uri="{91240B29-F687-4f45-9708-019B960494DF}">
-              <a14:hiddenLine xmlns="" xmlns:a14="http://schemas.microsoft.com/office/drawing/2010/main" w="9525">
+              <a14:hiddenLine xmlns:a14="http://schemas.microsoft.com/office/drawing/2010/main" xmlns="" w="9525">
                 <a:solidFill>
                   <a:srgbClr val="000000"/>
                 </a:solidFill>
@@ -3705,7 +3705,7 @@
               </a14:hiddenLine>
             </a:ext>
             <a:ext uri="{FAA26D3D-D897-4be2-8F04-BA451C77F1D7}">
-              <ma14:placeholderFlag xmlns="" xmlns:ma14="http://schemas.microsoft.com/office/mac/drawingml/2011/main" val="1"/>
+              <ma14:placeholderFlag xmlns:ma14="http://schemas.microsoft.com/office/mac/drawingml/2011/main" xmlns="" val="1"/>
             </a:ext>
           </a:extLst>
         </p:spPr>
@@ -3877,14 +3877,14 @@
           <a:ln w="9525"/>
           <a:extLst>
             <a:ext uri="{909E8E84-426E-40dd-AFC4-6F175D3DCCD1}">
-              <a14:hiddenFill xmlns="" xmlns:a14="http://schemas.microsoft.com/office/drawing/2010/main">
+              <a14:hiddenFill xmlns:a14="http://schemas.microsoft.com/office/drawing/2010/main" xmlns="">
                 <a:solidFill>
                   <a:srgbClr val="FFFFFF"/>
                 </a:solidFill>
               </a14:hiddenFill>
             </a:ext>
             <a:ext uri="{91240B29-F687-4f45-9708-019B960494DF}">
-              <a14:hiddenLine xmlns="" xmlns:a14="http://schemas.microsoft.com/office/drawing/2010/main" w="9525">
+              <a14:hiddenLine xmlns:a14="http://schemas.microsoft.com/office/drawing/2010/main" xmlns="" w="9525">
                 <a:solidFill>
                   <a:srgbClr val="000000"/>
                 </a:solidFill>
@@ -4150,14 +4150,14 @@
           <a:ln w="9525"/>
           <a:extLst>
             <a:ext uri="{909E8E84-426E-40dd-AFC4-6F175D3DCCD1}">
-              <a14:hiddenFill xmlns="" xmlns:a14="http://schemas.microsoft.com/office/drawing/2010/main">
+              <a14:hiddenFill xmlns:a14="http://schemas.microsoft.com/office/drawing/2010/main" xmlns="">
                 <a:solidFill>
                   <a:srgbClr val="FFFFFF"/>
                 </a:solidFill>
               </a14:hiddenFill>
             </a:ext>
             <a:ext uri="{91240B29-F687-4f45-9708-019B960494DF}">
-              <a14:hiddenLine xmlns="" xmlns:a14="http://schemas.microsoft.com/office/drawing/2010/main" w="9525">
+              <a14:hiddenLine xmlns:a14="http://schemas.microsoft.com/office/drawing/2010/main" xmlns="" w="9525">
                 <a:solidFill>
                   <a:srgbClr val="000000"/>
                 </a:solidFill>
@@ -4167,7 +4167,7 @@
               </a14:hiddenLine>
             </a:ext>
             <a:ext uri="{FAA26D3D-D897-4be2-8F04-BA451C77F1D7}">
-              <ma14:placeholderFlag xmlns="" xmlns:ma14="http://schemas.microsoft.com/office/mac/drawingml/2011/main" val="1"/>
+              <ma14:placeholderFlag xmlns:ma14="http://schemas.microsoft.com/office/mac/drawingml/2011/main" xmlns="" val="1"/>
             </a:ext>
           </a:extLst>
         </p:spPr>
@@ -4353,14 +4353,14 @@
           <a:ln w="9525"/>
           <a:extLst>
             <a:ext uri="{909E8E84-426E-40dd-AFC4-6F175D3DCCD1}">
-              <a14:hiddenFill xmlns="" xmlns:a14="http://schemas.microsoft.com/office/drawing/2010/main">
+              <a14:hiddenFill xmlns:a14="http://schemas.microsoft.com/office/drawing/2010/main" xmlns="">
                 <a:solidFill>
                   <a:srgbClr val="FFFFFF"/>
                 </a:solidFill>
               </a14:hiddenFill>
             </a:ext>
             <a:ext uri="{91240B29-F687-4f45-9708-019B960494DF}">
-              <a14:hiddenLine xmlns="" xmlns:a14="http://schemas.microsoft.com/office/drawing/2010/main" w="9525">
+              <a14:hiddenLine xmlns:a14="http://schemas.microsoft.com/office/drawing/2010/main" xmlns="" w="9525">
                 <a:solidFill>
                   <a:srgbClr val="000000"/>
                 </a:solidFill>
@@ -5082,14 +5082,14 @@
           <a:ln w="9525"/>
           <a:extLst>
             <a:ext uri="{909E8E84-426E-40dd-AFC4-6F175D3DCCD1}">
-              <a14:hiddenFill xmlns="" xmlns:a14="http://schemas.microsoft.com/office/drawing/2010/main">
+              <a14:hiddenFill xmlns:a14="http://schemas.microsoft.com/office/drawing/2010/main" xmlns="">
                 <a:solidFill>
                   <a:srgbClr val="FFFFFF"/>
                 </a:solidFill>
               </a14:hiddenFill>
             </a:ext>
             <a:ext uri="{91240B29-F687-4f45-9708-019B960494DF}">
-              <a14:hiddenLine xmlns="" xmlns:a14="http://schemas.microsoft.com/office/drawing/2010/main" w="9525">
+              <a14:hiddenLine xmlns:a14="http://schemas.microsoft.com/office/drawing/2010/main" xmlns="" w="9525">
                 <a:solidFill>
                   <a:srgbClr val="000000"/>
                 </a:solidFill>
@@ -5099,7 +5099,7 @@
               </a14:hiddenLine>
             </a:ext>
             <a:ext uri="{FAA26D3D-D897-4be2-8F04-BA451C77F1D7}">
-              <ma14:placeholderFlag xmlns="" xmlns:ma14="http://schemas.microsoft.com/office/mac/drawingml/2011/main" val="1"/>
+              <ma14:placeholderFlag xmlns:ma14="http://schemas.microsoft.com/office/mac/drawingml/2011/main" xmlns="" val="1"/>
             </a:ext>
           </a:extLst>
         </p:spPr>
@@ -5278,14 +5278,14 @@
           </a:ln>
           <a:extLst>
             <a:ext uri="{909E8E84-426E-40dd-AFC4-6F175D3DCCD1}">
-              <a14:hiddenFill xmlns="" xmlns:a14="http://schemas.microsoft.com/office/drawing/2010/main">
+              <a14:hiddenFill xmlns:a14="http://schemas.microsoft.com/office/drawing/2010/main" xmlns="">
                 <a:solidFill>
                   <a:srgbClr val="FFFFFF"/>
                 </a:solidFill>
               </a14:hiddenFill>
             </a:ext>
             <a:ext uri="{91240B29-F687-4f45-9708-019B960494DF}">
-              <a14:hiddenLine xmlns="" xmlns:a14="http://schemas.microsoft.com/office/drawing/2010/main" w="9525">
+              <a14:hiddenLine xmlns:a14="http://schemas.microsoft.com/office/drawing/2010/main" xmlns="" w="9525">
                 <a:solidFill>
                   <a:srgbClr val="000000"/>
                 </a:solidFill>
@@ -5461,14 +5461,14 @@
           </a:ln>
           <a:extLst>
             <a:ext uri="{909E8E84-426E-40dd-AFC4-6F175D3DCCD1}">
-              <a14:hiddenFill xmlns="" xmlns:a14="http://schemas.microsoft.com/office/drawing/2010/main">
+              <a14:hiddenFill xmlns:a14="http://schemas.microsoft.com/office/drawing/2010/main" xmlns="">
                 <a:solidFill>
                   <a:srgbClr val="FFFFFF"/>
                 </a:solidFill>
               </a14:hiddenFill>
             </a:ext>
             <a:ext uri="{FAA26D3D-D897-4be2-8F04-BA451C77F1D7}">
-              <ma14:placeholderFlag xmlns="" xmlns:ma14="http://schemas.microsoft.com/office/mac/drawingml/2011/main" val="1"/>
+              <ma14:placeholderFlag xmlns:ma14="http://schemas.microsoft.com/office/mac/drawingml/2011/main" xmlns="" val="1"/>
             </a:ext>
           </a:extLst>
         </p:spPr>
@@ -5838,7 +5838,7 @@
           </a:ln>
           <a:extLst>
             <a:ext uri="{FAA26D3D-D897-4be2-8F04-BA451C77F1D7}">
-              <ma14:placeholderFlag xmlns="" xmlns:ma14="http://schemas.microsoft.com/office/mac/drawingml/2011/main" val="1"/>
+              <ma14:placeholderFlag xmlns:ma14="http://schemas.microsoft.com/office/mac/drawingml/2011/main" xmlns="" val="1"/>
             </a:ext>
           </a:extLst>
         </p:spPr>
@@ -6016,14 +6016,14 @@
           </a:ln>
           <a:extLst>
             <a:ext uri="{909E8E84-426E-40dd-AFC4-6F175D3DCCD1}">
-              <a14:hiddenFill xmlns="" xmlns:a14="http://schemas.microsoft.com/office/drawing/2010/main">
+              <a14:hiddenFill xmlns:a14="http://schemas.microsoft.com/office/drawing/2010/main" xmlns="">
                 <a:solidFill>
                   <a:srgbClr val="FFFFFF"/>
                 </a:solidFill>
               </a14:hiddenFill>
             </a:ext>
             <a:ext uri="{91240B29-F687-4f45-9708-019B960494DF}">
-              <a14:hiddenLine xmlns="" xmlns:a14="http://schemas.microsoft.com/office/drawing/2010/main" w="9525">
+              <a14:hiddenLine xmlns:a14="http://schemas.microsoft.com/office/drawing/2010/main" xmlns="" w="9525">
                 <a:solidFill>
                   <a:srgbClr val="000000"/>
                 </a:solidFill>
@@ -6199,14 +6199,14 @@
           </a:ln>
           <a:extLst>
             <a:ext uri="{909E8E84-426E-40dd-AFC4-6F175D3DCCD1}">
-              <a14:hiddenFill xmlns="" xmlns:a14="http://schemas.microsoft.com/office/drawing/2010/main">
+              <a14:hiddenFill xmlns:a14="http://schemas.microsoft.com/office/drawing/2010/main" xmlns="">
                 <a:solidFill>
                   <a:srgbClr val="FFFFFF"/>
                 </a:solidFill>
               </a14:hiddenFill>
             </a:ext>
             <a:ext uri="{FAA26D3D-D897-4be2-8F04-BA451C77F1D7}">
-              <ma14:placeholderFlag xmlns="" xmlns:ma14="http://schemas.microsoft.com/office/mac/drawingml/2011/main" val="1"/>
+              <ma14:placeholderFlag xmlns:ma14="http://schemas.microsoft.com/office/mac/drawingml/2011/main" xmlns="" val="1"/>
             </a:ext>
           </a:extLst>
         </p:spPr>
@@ -6563,14 +6563,14 @@
           <a:ln w="9525"/>
           <a:extLst>
             <a:ext uri="{909E8E84-426E-40dd-AFC4-6F175D3DCCD1}">
-              <a14:hiddenFill xmlns="" xmlns:a14="http://schemas.microsoft.com/office/drawing/2010/main">
+              <a14:hiddenFill xmlns:a14="http://schemas.microsoft.com/office/drawing/2010/main" xmlns="">
                 <a:solidFill>
                   <a:srgbClr val="FFFFFF"/>
                 </a:solidFill>
               </a14:hiddenFill>
             </a:ext>
             <a:ext uri="{91240B29-F687-4f45-9708-019B960494DF}">
-              <a14:hiddenLine xmlns="" xmlns:a14="http://schemas.microsoft.com/office/drawing/2010/main" w="9525">
+              <a14:hiddenLine xmlns:a14="http://schemas.microsoft.com/office/drawing/2010/main" xmlns="" w="9525">
                 <a:solidFill>
                   <a:srgbClr val="000000"/>
                 </a:solidFill>
@@ -6763,14 +6763,14 @@
           <a:ln w="9525"/>
           <a:extLst>
             <a:ext uri="{909E8E84-426E-40dd-AFC4-6F175D3DCCD1}">
-              <a14:hiddenFill xmlns="" xmlns:a14="http://schemas.microsoft.com/office/drawing/2010/main">
+              <a14:hiddenFill xmlns:a14="http://schemas.microsoft.com/office/drawing/2010/main" xmlns="">
                 <a:solidFill>
                   <a:srgbClr val="FFFFFF"/>
                 </a:solidFill>
               </a14:hiddenFill>
             </a:ext>
             <a:ext uri="{91240B29-F687-4f45-9708-019B960494DF}">
-              <a14:hiddenLine xmlns="" xmlns:a14="http://schemas.microsoft.com/office/drawing/2010/main" w="9525">
+              <a14:hiddenLine xmlns:a14="http://schemas.microsoft.com/office/drawing/2010/main" xmlns="" w="9525">
                 <a:solidFill>
                   <a:srgbClr val="000000"/>
                 </a:solidFill>
@@ -6780,7 +6780,7 @@
               </a14:hiddenLine>
             </a:ext>
             <a:ext uri="{FAA26D3D-D897-4be2-8F04-BA451C77F1D7}">
-              <ma14:placeholderFlag xmlns="" xmlns:ma14="http://schemas.microsoft.com/office/mac/drawingml/2011/main" val="1"/>
+              <ma14:placeholderFlag xmlns:ma14="http://schemas.microsoft.com/office/mac/drawingml/2011/main" xmlns="" val="1"/>
             </a:ext>
           </a:extLst>
         </p:spPr>
@@ -7065,7 +7065,7 @@
           <a:p>
             <a:fld id="{37F25EE3-3670-48A1-BD38-BCF07B338F77}" type="datetime1">
               <a:rPr lang="en-US" smtClean="0"/>
-              <a:t>11/7/2021</a:t>
+              <a:t>11/9/2021</a:t>
             </a:fld>
             <a:endParaRPr lang="en-US"/>
           </a:p>
@@ -7316,7 +7316,7 @@
           <a:p>
             <a:fld id="{BD3F448D-36D0-425B-A768-748E58DED954}" type="datetime1">
               <a:rPr lang="en-US" smtClean="0"/>
-              <a:t>11/7/2021</a:t>
+              <a:t>11/9/2021</a:t>
             </a:fld>
             <a:endParaRPr lang="en-US"/>
           </a:p>
@@ -7496,7 +7496,7 @@
           <a:p>
             <a:fld id="{518D97EF-B8A1-4C50-8FE1-7FFDFF5821BA}" type="datetime1">
               <a:rPr lang="en-US" smtClean="0"/>
-              <a:t>11/7/2021</a:t>
+              <a:t>11/9/2021</a:t>
             </a:fld>
             <a:endParaRPr lang="en-US"/>
           </a:p>
@@ -7666,7 +7666,7 @@
           <a:p>
             <a:fld id="{4DC2A4DD-90EF-49ED-B7E8-A04E775244AF}" type="datetime1">
               <a:rPr lang="en-US" smtClean="0"/>
-              <a:t>11/7/2021</a:t>
+              <a:t>11/9/2021</a:t>
             </a:fld>
             <a:endParaRPr lang="en-US"/>
           </a:p>
@@ -7912,7 +7912,7 @@
           <a:p>
             <a:fld id="{C49C64D8-BE90-47C2-AB4E-17E7A8E25C0F}" type="datetime1">
               <a:rPr lang="en-US" smtClean="0"/>
-              <a:t>11/7/2021</a:t>
+              <a:t>11/9/2021</a:t>
             </a:fld>
             <a:endParaRPr lang="en-US"/>
           </a:p>
@@ -8144,7 +8144,7 @@
           <a:p>
             <a:fld id="{05213E12-4916-4425-9F48-0C7B001002A2}" type="datetime1">
               <a:rPr lang="en-US" smtClean="0"/>
-              <a:t>11/7/2021</a:t>
+              <a:t>11/9/2021</a:t>
             </a:fld>
             <a:endParaRPr lang="en-US"/>
           </a:p>
@@ -8511,7 +8511,7 @@
           <a:p>
             <a:fld id="{57750A7D-6440-471E-9A62-EE9D52F00272}" type="datetime1">
               <a:rPr lang="en-US" smtClean="0"/>
-              <a:t>11/7/2021</a:t>
+              <a:t>11/9/2021</a:t>
             </a:fld>
             <a:endParaRPr lang="en-US"/>
           </a:p>
@@ -8629,7 +8629,7 @@
           <a:p>
             <a:fld id="{29AB0C40-7BF5-441B-959D-CAA8EAEC1D8F}" type="datetime1">
               <a:rPr lang="en-US" smtClean="0"/>
-              <a:t>11/7/2021</a:t>
+              <a:t>11/9/2021</a:t>
             </a:fld>
             <a:endParaRPr lang="en-US"/>
           </a:p>
@@ -8724,7 +8724,7 @@
           <a:p>
             <a:fld id="{56CB15C1-50CD-4D8E-87FD-09A53995B887}" type="datetime1">
               <a:rPr lang="en-US" smtClean="0"/>
-              <a:t>11/7/2021</a:t>
+              <a:t>11/9/2021</a:t>
             </a:fld>
             <a:endParaRPr lang="en-US"/>
           </a:p>
@@ -9001,7 +9001,7 @@
           <a:p>
             <a:fld id="{2D6BD592-F12F-46F8-9E79-6E07B872F689}" type="datetime1">
               <a:rPr lang="en-US" smtClean="0"/>
-              <a:t>11/7/2021</a:t>
+              <a:t>11/9/2021</a:t>
             </a:fld>
             <a:endParaRPr lang="en-US"/>
           </a:p>
@@ -9254,7 +9254,7 @@
           <a:p>
             <a:fld id="{D4AED46E-27F9-446C-A84F-62508097E734}" type="datetime1">
               <a:rPr lang="en-US" smtClean="0"/>
-              <a:t>11/7/2021</a:t>
+              <a:t>11/9/2021</a:t>
             </a:fld>
             <a:endParaRPr lang="en-US"/>
           </a:p>
@@ -9468,7 +9468,7 @@
           <a:p>
             <a:fld id="{8DDD7842-5CB9-4704-8601-0697C48BE99A}" type="datetime1">
               <a:rPr lang="en-US" smtClean="0"/>
-              <a:t>11/7/2021</a:t>
+              <a:t>11/9/2021</a:t>
             </a:fld>
             <a:endParaRPr lang="en-US"/>
           </a:p>
@@ -15846,14 +15846,14 @@
             <a:effectLst/>
             <a:extLst>
               <a:ext uri="{909E8E84-426E-40dd-AFC4-6F175D3DCCD1}">
-                <a14:hiddenFill xmlns="" xmlns:a14="http://schemas.microsoft.com/office/drawing/2010/main">
+                <a14:hiddenFill xmlns:a14="http://schemas.microsoft.com/office/drawing/2010/main" xmlns="">
                   <a:solidFill>
                     <a:schemeClr val="accent1"/>
                   </a:solidFill>
                 </a14:hiddenFill>
               </a:ext>
               <a:ext uri="{AF507438-7753-43e0-B8FC-AC1667EBCBE1}">
-                <a14:hiddenEffects xmlns="" xmlns:a14="http://schemas.microsoft.com/office/drawing/2010/main">
+                <a14:hiddenEffects xmlns:a14="http://schemas.microsoft.com/office/drawing/2010/main" xmlns="">
                   <a:effectLst>
                     <a:outerShdw blurRad="63500" dist="38099" dir="2700000" algn="ctr" rotWithShape="0">
                       <a:schemeClr val="bg2">
@@ -15903,14 +15903,14 @@
             <a:effectLst/>
             <a:extLst>
               <a:ext uri="{909E8E84-426E-40dd-AFC4-6F175D3DCCD1}">
-                <a14:hiddenFill xmlns="" xmlns:a14="http://schemas.microsoft.com/office/drawing/2010/main">
+                <a14:hiddenFill xmlns:a14="http://schemas.microsoft.com/office/drawing/2010/main" xmlns="">
                   <a:solidFill>
                     <a:schemeClr val="accent1"/>
                   </a:solidFill>
                 </a14:hiddenFill>
               </a:ext>
               <a:ext uri="{AF507438-7753-43e0-B8FC-AC1667EBCBE1}">
-                <a14:hiddenEffects xmlns="" xmlns:a14="http://schemas.microsoft.com/office/drawing/2010/main">
+                <a14:hiddenEffects xmlns:a14="http://schemas.microsoft.com/office/drawing/2010/main" xmlns="">
                   <a:effectLst>
                     <a:outerShdw blurRad="63500" dist="38099" dir="2700000" algn="ctr" rotWithShape="0">
                       <a:schemeClr val="bg2">
@@ -15962,14 +15962,14 @@
             <a:effectLst/>
             <a:extLst>
               <a:ext uri="{909E8E84-426E-40dd-AFC4-6F175D3DCCD1}">
-                <a14:hiddenFill xmlns="" xmlns:a14="http://schemas.microsoft.com/office/drawing/2010/main">
+                <a14:hiddenFill xmlns:a14="http://schemas.microsoft.com/office/drawing/2010/main" xmlns="">
                   <a:solidFill>
                     <a:schemeClr val="accent1"/>
                   </a:solidFill>
                 </a14:hiddenFill>
               </a:ext>
               <a:ext uri="{AF507438-7753-43e0-B8FC-AC1667EBCBE1}">
-                <a14:hiddenEffects xmlns="" xmlns:a14="http://schemas.microsoft.com/office/drawing/2010/main">
+                <a14:hiddenEffects xmlns:a14="http://schemas.microsoft.com/office/drawing/2010/main" xmlns="">
                   <a:effectLst>
                     <a:outerShdw blurRad="63500" dist="38099" dir="2700000" algn="ctr" rotWithShape="0">
                       <a:schemeClr val="bg2">
@@ -16014,14 +16014,14 @@
             <a:effectLst/>
             <a:extLst>
               <a:ext uri="{909E8E84-426E-40dd-AFC4-6F175D3DCCD1}">
-                <a14:hiddenFill xmlns="" xmlns:a14="http://schemas.microsoft.com/office/drawing/2010/main">
+                <a14:hiddenFill xmlns:a14="http://schemas.microsoft.com/office/drawing/2010/main" xmlns="">
                   <a:solidFill>
                     <a:schemeClr val="accent1"/>
                   </a:solidFill>
                 </a14:hiddenFill>
               </a:ext>
               <a:ext uri="{91240B29-F687-4f45-9708-019B960494DF}">
-                <a14:hiddenLine xmlns="" xmlns:a14="http://schemas.microsoft.com/office/drawing/2010/main" w="9525">
+                <a14:hiddenLine xmlns:a14="http://schemas.microsoft.com/office/drawing/2010/main" xmlns="" w="9525">
                   <a:solidFill>
                     <a:schemeClr val="tx1"/>
                   </a:solidFill>
@@ -16031,7 +16031,7 @@
                 </a14:hiddenLine>
               </a:ext>
               <a:ext uri="{AF507438-7753-43e0-B8FC-AC1667EBCBE1}">
-                <a14:hiddenEffects xmlns="" xmlns:a14="http://schemas.microsoft.com/office/drawing/2010/main">
+                <a14:hiddenEffects xmlns:a14="http://schemas.microsoft.com/office/drawing/2010/main" xmlns="">
                   <a:effectLst>
                     <a:outerShdw blurRad="63500" dist="38099" dir="2700000" algn="ctr" rotWithShape="0">
                       <a:schemeClr val="bg2">
@@ -16081,14 +16081,14 @@
             <a:effectLst/>
             <a:extLst>
               <a:ext uri="{909E8E84-426E-40dd-AFC4-6F175D3DCCD1}">
-                <a14:hiddenFill xmlns="" xmlns:a14="http://schemas.microsoft.com/office/drawing/2010/main">
+                <a14:hiddenFill xmlns:a14="http://schemas.microsoft.com/office/drawing/2010/main" xmlns="">
                   <a:solidFill>
                     <a:schemeClr val="accent1"/>
                   </a:solidFill>
                 </a14:hiddenFill>
               </a:ext>
               <a:ext uri="{91240B29-F687-4f45-9708-019B960494DF}">
-                <a14:hiddenLine xmlns="" xmlns:a14="http://schemas.microsoft.com/office/drawing/2010/main" w="9525">
+                <a14:hiddenLine xmlns:a14="http://schemas.microsoft.com/office/drawing/2010/main" xmlns="" w="9525">
                   <a:solidFill>
                     <a:schemeClr val="tx1"/>
                   </a:solidFill>
@@ -16098,7 +16098,7 @@
                 </a14:hiddenLine>
               </a:ext>
               <a:ext uri="{AF507438-7753-43e0-B8FC-AC1667EBCBE1}">
-                <a14:hiddenEffects xmlns="" xmlns:a14="http://schemas.microsoft.com/office/drawing/2010/main">
+                <a14:hiddenEffects xmlns:a14="http://schemas.microsoft.com/office/drawing/2010/main" xmlns="">
                   <a:effectLst>
                     <a:outerShdw blurRad="63500" dist="38099" dir="2700000" algn="ctr" rotWithShape="0">
                       <a:schemeClr val="bg2">
@@ -16156,14 +16156,14 @@
             <a:effectLst/>
             <a:extLst>
               <a:ext uri="{909E8E84-426E-40dd-AFC4-6F175D3DCCD1}">
-                <a14:hiddenFill xmlns="" xmlns:a14="http://schemas.microsoft.com/office/drawing/2010/main">
+                <a14:hiddenFill xmlns:a14="http://schemas.microsoft.com/office/drawing/2010/main" xmlns="">
                   <a:solidFill>
                     <a:schemeClr val="accent1"/>
                   </a:solidFill>
                 </a14:hiddenFill>
               </a:ext>
               <a:ext uri="{91240B29-F687-4f45-9708-019B960494DF}">
-                <a14:hiddenLine xmlns="" xmlns:a14="http://schemas.microsoft.com/office/drawing/2010/main" w="9525">
+                <a14:hiddenLine xmlns:a14="http://schemas.microsoft.com/office/drawing/2010/main" xmlns="" w="9525">
                   <a:solidFill>
                     <a:schemeClr val="tx1"/>
                   </a:solidFill>
@@ -16173,7 +16173,7 @@
                 </a14:hiddenLine>
               </a:ext>
               <a:ext uri="{AF507438-7753-43e0-B8FC-AC1667EBCBE1}">
-                <a14:hiddenEffects xmlns="" xmlns:a14="http://schemas.microsoft.com/office/drawing/2010/main">
+                <a14:hiddenEffects xmlns:a14="http://schemas.microsoft.com/office/drawing/2010/main" xmlns="">
                   <a:effectLst>
                     <a:outerShdw blurRad="63500" dist="38099" dir="2700000" algn="ctr" rotWithShape="0">
                       <a:schemeClr val="bg2">
@@ -16223,14 +16223,14 @@
             <a:effectLst/>
             <a:extLst>
               <a:ext uri="{909E8E84-426E-40dd-AFC4-6F175D3DCCD1}">
-                <a14:hiddenFill xmlns="" xmlns:a14="http://schemas.microsoft.com/office/drawing/2010/main">
+                <a14:hiddenFill xmlns:a14="http://schemas.microsoft.com/office/drawing/2010/main" xmlns="">
                   <a:solidFill>
                     <a:schemeClr val="accent1"/>
                   </a:solidFill>
                 </a14:hiddenFill>
               </a:ext>
               <a:ext uri="{91240B29-F687-4f45-9708-019B960494DF}">
-                <a14:hiddenLine xmlns="" xmlns:a14="http://schemas.microsoft.com/office/drawing/2010/main" w="9525">
+                <a14:hiddenLine xmlns:a14="http://schemas.microsoft.com/office/drawing/2010/main" xmlns="" w="9525">
                   <a:solidFill>
                     <a:schemeClr val="tx1"/>
                   </a:solidFill>
@@ -16240,7 +16240,7 @@
                 </a14:hiddenLine>
               </a:ext>
               <a:ext uri="{AF507438-7753-43e0-B8FC-AC1667EBCBE1}">
-                <a14:hiddenEffects xmlns="" xmlns:a14="http://schemas.microsoft.com/office/drawing/2010/main">
+                <a14:hiddenEffects xmlns:a14="http://schemas.microsoft.com/office/drawing/2010/main" xmlns="">
                   <a:effectLst>
                     <a:outerShdw blurRad="63500" dist="38099" dir="2700000" algn="ctr" rotWithShape="0">
                       <a:schemeClr val="bg2">
@@ -16298,14 +16298,14 @@
             <a:effectLst/>
             <a:extLst>
               <a:ext uri="{909E8E84-426E-40dd-AFC4-6F175D3DCCD1}">
-                <a14:hiddenFill xmlns="" xmlns:a14="http://schemas.microsoft.com/office/drawing/2010/main">
+                <a14:hiddenFill xmlns:a14="http://schemas.microsoft.com/office/drawing/2010/main" xmlns="">
                   <a:solidFill>
                     <a:schemeClr val="accent1"/>
                   </a:solidFill>
                 </a14:hiddenFill>
               </a:ext>
               <a:ext uri="{91240B29-F687-4f45-9708-019B960494DF}">
-                <a14:hiddenLine xmlns="" xmlns:a14="http://schemas.microsoft.com/office/drawing/2010/main" w="9525">
+                <a14:hiddenLine xmlns:a14="http://schemas.microsoft.com/office/drawing/2010/main" xmlns="" w="9525">
                   <a:solidFill>
                     <a:schemeClr val="tx1"/>
                   </a:solidFill>
@@ -16315,7 +16315,7 @@
                 </a14:hiddenLine>
               </a:ext>
               <a:ext uri="{AF507438-7753-43e0-B8FC-AC1667EBCBE1}">
-                <a14:hiddenEffects xmlns="" xmlns:a14="http://schemas.microsoft.com/office/drawing/2010/main">
+                <a14:hiddenEffects xmlns:a14="http://schemas.microsoft.com/office/drawing/2010/main" xmlns="">
                   <a:effectLst>
                     <a:outerShdw blurRad="63500" dist="38099" dir="2700000" algn="ctr" rotWithShape="0">
                       <a:schemeClr val="bg2">
@@ -16382,12 +16382,12 @@
             <a:effectLst/>
             <a:extLst>
               <a:ext uri="{909E8E84-426E-40dd-AFC4-6F175D3DCCD1}">
-                <a14:hiddenFill xmlns="" xmlns:a14="http://schemas.microsoft.com/office/drawing/2010/main">
+                <a14:hiddenFill xmlns:a14="http://schemas.microsoft.com/office/drawing/2010/main" xmlns="">
                   <a:noFill/>
                 </a14:hiddenFill>
               </a:ext>
               <a:ext uri="{AF507438-7753-43e0-B8FC-AC1667EBCBE1}">
-                <a14:hiddenEffects xmlns="" xmlns:a14="http://schemas.microsoft.com/office/drawing/2010/main">
+                <a14:hiddenEffects xmlns:a14="http://schemas.microsoft.com/office/drawing/2010/main" xmlns="">
                   <a:effectLst>
                     <a:outerShdw blurRad="63500" dist="38099" dir="2700000" algn="ctr" rotWithShape="0">
                       <a:schemeClr val="bg2">
@@ -16430,12 +16430,12 @@
             <a:effectLst/>
             <a:extLst>
               <a:ext uri="{909E8E84-426E-40dd-AFC4-6F175D3DCCD1}">
-                <a14:hiddenFill xmlns="" xmlns:a14="http://schemas.microsoft.com/office/drawing/2010/main">
+                <a14:hiddenFill xmlns:a14="http://schemas.microsoft.com/office/drawing/2010/main" xmlns="">
                   <a:noFill/>
                 </a14:hiddenFill>
               </a:ext>
               <a:ext uri="{AF507438-7753-43e0-B8FC-AC1667EBCBE1}">
-                <a14:hiddenEffects xmlns="" xmlns:a14="http://schemas.microsoft.com/office/drawing/2010/main">
+                <a14:hiddenEffects xmlns:a14="http://schemas.microsoft.com/office/drawing/2010/main" xmlns="">
                   <a:effectLst>
                     <a:outerShdw blurRad="63500" dist="38099" dir="2700000" algn="ctr" rotWithShape="0">
                       <a:schemeClr val="bg2">
@@ -16478,12 +16478,12 @@
             <a:effectLst/>
             <a:extLst>
               <a:ext uri="{909E8E84-426E-40dd-AFC4-6F175D3DCCD1}">
-                <a14:hiddenFill xmlns="" xmlns:a14="http://schemas.microsoft.com/office/drawing/2010/main">
+                <a14:hiddenFill xmlns:a14="http://schemas.microsoft.com/office/drawing/2010/main" xmlns="">
                   <a:noFill/>
                 </a14:hiddenFill>
               </a:ext>
               <a:ext uri="{AF507438-7753-43e0-B8FC-AC1667EBCBE1}">
-                <a14:hiddenEffects xmlns="" xmlns:a14="http://schemas.microsoft.com/office/drawing/2010/main">
+                <a14:hiddenEffects xmlns:a14="http://schemas.microsoft.com/office/drawing/2010/main" xmlns="">
                   <a:effectLst>
                     <a:outerShdw blurRad="63500" dist="38099" dir="2700000" algn="ctr" rotWithShape="0">
                       <a:schemeClr val="bg2">
@@ -16519,14 +16519,14 @@
             <a:effectLst/>
             <a:extLst>
               <a:ext uri="{909E8E84-426E-40dd-AFC4-6F175D3DCCD1}">
-                <a14:hiddenFill xmlns="" xmlns:a14="http://schemas.microsoft.com/office/drawing/2010/main">
+                <a14:hiddenFill xmlns:a14="http://schemas.microsoft.com/office/drawing/2010/main" xmlns="">
                   <a:solidFill>
                     <a:schemeClr val="accent1"/>
                   </a:solidFill>
                 </a14:hiddenFill>
               </a:ext>
               <a:ext uri="{91240B29-F687-4f45-9708-019B960494DF}">
-                <a14:hiddenLine xmlns="" xmlns:a14="http://schemas.microsoft.com/office/drawing/2010/main" w="9525">
+                <a14:hiddenLine xmlns:a14="http://schemas.microsoft.com/office/drawing/2010/main" xmlns="" w="9525">
                   <a:solidFill>
                     <a:schemeClr val="tx1"/>
                   </a:solidFill>
@@ -16536,7 +16536,7 @@
                 </a14:hiddenLine>
               </a:ext>
               <a:ext uri="{AF507438-7753-43e0-B8FC-AC1667EBCBE1}">
-                <a14:hiddenEffects xmlns="" xmlns:a14="http://schemas.microsoft.com/office/drawing/2010/main">
+                <a14:hiddenEffects xmlns:a14="http://schemas.microsoft.com/office/drawing/2010/main" xmlns="">
                   <a:effectLst>
                     <a:outerShdw blurRad="63500" dist="38099" dir="2700000" algn="ctr" rotWithShape="0">
                       <a:schemeClr val="bg2">
@@ -16595,14 +16595,14 @@
           <a:effectLst/>
           <a:extLst>
             <a:ext uri="{909E8E84-426E-40dd-AFC4-6F175D3DCCD1}">
-              <a14:hiddenFill xmlns="" xmlns:a14="http://schemas.microsoft.com/office/drawing/2010/main">
+              <a14:hiddenFill xmlns:a14="http://schemas.microsoft.com/office/drawing/2010/main" xmlns="">
                 <a:solidFill>
                   <a:schemeClr val="accent1"/>
                 </a:solidFill>
               </a14:hiddenFill>
             </a:ext>
             <a:ext uri="{91240B29-F687-4f45-9708-019B960494DF}">
-              <a14:hiddenLine xmlns="" xmlns:a14="http://schemas.microsoft.com/office/drawing/2010/main" w="9525">
+              <a14:hiddenLine xmlns:a14="http://schemas.microsoft.com/office/drawing/2010/main" xmlns="" w="9525">
                 <a:solidFill>
                   <a:schemeClr val="tx1"/>
                 </a:solidFill>
@@ -16612,7 +16612,7 @@
               </a14:hiddenLine>
             </a:ext>
             <a:ext uri="{AF507438-7753-43e0-B8FC-AC1667EBCBE1}">
-              <a14:hiddenEffects xmlns="" xmlns:a14="http://schemas.microsoft.com/office/drawing/2010/main">
+              <a14:hiddenEffects xmlns:a14="http://schemas.microsoft.com/office/drawing/2010/main" xmlns="">
                 <a:effectLst>
                   <a:outerShdw blurRad="63500" dist="38099" dir="2700000" algn="ctr" rotWithShape="0">
                     <a:schemeClr val="bg2">
@@ -17325,7 +17325,7 @@
           </a:ln>
           <a:extLst>
             <a:ext uri="{909E8E84-426E-40dd-AFC4-6F175D3DCCD1}">
-              <a14:hiddenFill xmlns="" xmlns:a14="http://schemas.microsoft.com/office/drawing/2010/main">
+              <a14:hiddenFill xmlns:a14="http://schemas.microsoft.com/office/drawing/2010/main" xmlns="">
                 <a:noFill/>
               </a14:hiddenFill>
             </a:ext>
@@ -17364,7 +17364,7 @@
           </a:ln>
           <a:extLst>
             <a:ext uri="{909E8E84-426E-40dd-AFC4-6F175D3DCCD1}">
-              <a14:hiddenFill xmlns="" xmlns:a14="http://schemas.microsoft.com/office/drawing/2010/main">
+              <a14:hiddenFill xmlns:a14="http://schemas.microsoft.com/office/drawing/2010/main" xmlns="">
                 <a:noFill/>
               </a14:hiddenFill>
             </a:ext>
@@ -17475,14 +17475,14 @@
           </a:ln>
           <a:extLst>
             <a:ext uri="{909E8E84-426E-40dd-AFC4-6F175D3DCCD1}">
-              <a14:hiddenFill xmlns="" xmlns:a14="http://schemas.microsoft.com/office/drawing/2010/main">
+              <a14:hiddenFill xmlns:a14="http://schemas.microsoft.com/office/drawing/2010/main" xmlns="">
                 <a:solidFill>
                   <a:srgbClr val="FFFFFF"/>
                 </a:solidFill>
               </a14:hiddenFill>
             </a:ext>
             <a:ext uri="{91240B29-F687-4f45-9708-019B960494DF}">
-              <a14:hiddenLine xmlns="" xmlns:a14="http://schemas.microsoft.com/office/drawing/2010/main" w="12700">
+              <a14:hiddenLine xmlns:a14="http://schemas.microsoft.com/office/drawing/2010/main" xmlns="" w="12700">
                 <a:solidFill>
                   <a:srgbClr val="000000"/>
                 </a:solidFill>
@@ -17661,7 +17661,7 @@
             </a:ln>
             <a:extLst>
               <a:ext uri="{909E8E84-426E-40dd-AFC4-6F175D3DCCD1}">
-                <a14:hiddenFill xmlns="" xmlns:a14="http://schemas.microsoft.com/office/drawing/2010/main">
+                <a14:hiddenFill xmlns:a14="http://schemas.microsoft.com/office/drawing/2010/main" xmlns="">
                   <a:noFill/>
                 </a14:hiddenFill>
               </a:ext>
@@ -17702,7 +17702,7 @@
             </a:ln>
             <a:extLst>
               <a:ext uri="{909E8E84-426E-40dd-AFC4-6F175D3DCCD1}">
-                <a14:hiddenFill xmlns="" xmlns:a14="http://schemas.microsoft.com/office/drawing/2010/main">
+                <a14:hiddenFill xmlns:a14="http://schemas.microsoft.com/office/drawing/2010/main" xmlns="">
                   <a:noFill/>
                 </a14:hiddenFill>
               </a:ext>
@@ -17738,14 +17738,14 @@
             </a:ln>
             <a:extLst>
               <a:ext uri="{909E8E84-426E-40dd-AFC4-6F175D3DCCD1}">
-                <a14:hiddenFill xmlns="" xmlns:a14="http://schemas.microsoft.com/office/drawing/2010/main">
+                <a14:hiddenFill xmlns:a14="http://schemas.microsoft.com/office/drawing/2010/main" xmlns="">
                   <a:solidFill>
                     <a:srgbClr val="FFFFFF"/>
                   </a:solidFill>
                 </a14:hiddenFill>
               </a:ext>
               <a:ext uri="{91240B29-F687-4f45-9708-019B960494DF}">
-                <a14:hiddenLine xmlns="" xmlns:a14="http://schemas.microsoft.com/office/drawing/2010/main" w="12700">
+                <a14:hiddenLine xmlns:a14="http://schemas.microsoft.com/office/drawing/2010/main" xmlns="" w="12700">
                   <a:solidFill>
                     <a:srgbClr val="000000"/>
                   </a:solidFill>
@@ -17791,14 +17791,14 @@
             </a:ln>
             <a:extLst>
               <a:ext uri="{909E8E84-426E-40dd-AFC4-6F175D3DCCD1}">
-                <a14:hiddenFill xmlns="" xmlns:a14="http://schemas.microsoft.com/office/drawing/2010/main">
+                <a14:hiddenFill xmlns:a14="http://schemas.microsoft.com/office/drawing/2010/main" xmlns="">
                   <a:solidFill>
                     <a:srgbClr val="FFFFFF"/>
                   </a:solidFill>
                 </a14:hiddenFill>
               </a:ext>
               <a:ext uri="{91240B29-F687-4f45-9708-019B960494DF}">
-                <a14:hiddenLine xmlns="" xmlns:a14="http://schemas.microsoft.com/office/drawing/2010/main" w="12700">
+                <a14:hiddenLine xmlns:a14="http://schemas.microsoft.com/office/drawing/2010/main" xmlns="" w="12700">
                   <a:solidFill>
                     <a:srgbClr val="000000"/>
                   </a:solidFill>
@@ -17844,14 +17844,14 @@
             </a:ln>
             <a:extLst>
               <a:ext uri="{909E8E84-426E-40dd-AFC4-6F175D3DCCD1}">
-                <a14:hiddenFill xmlns="" xmlns:a14="http://schemas.microsoft.com/office/drawing/2010/main">
+                <a14:hiddenFill xmlns:a14="http://schemas.microsoft.com/office/drawing/2010/main" xmlns="">
                   <a:solidFill>
                     <a:srgbClr val="FFFFFF"/>
                   </a:solidFill>
                 </a14:hiddenFill>
               </a:ext>
               <a:ext uri="{91240B29-F687-4f45-9708-019B960494DF}">
-                <a14:hiddenLine xmlns="" xmlns:a14="http://schemas.microsoft.com/office/drawing/2010/main" w="12700">
+                <a14:hiddenLine xmlns:a14="http://schemas.microsoft.com/office/drawing/2010/main" xmlns="" w="12700">
                   <a:solidFill>
                     <a:srgbClr val="000000"/>
                   </a:solidFill>
@@ -18866,7 +18866,7 @@
             </a:ln>
             <a:extLst>
               <a:ext uri="{909E8E84-426E-40dd-AFC4-6F175D3DCCD1}">
-                <a14:hiddenFill xmlns="" xmlns:a14="http://schemas.microsoft.com/office/drawing/2010/main">
+                <a14:hiddenFill xmlns:a14="http://schemas.microsoft.com/office/drawing/2010/main" xmlns="">
                   <a:noFill/>
                 </a14:hiddenFill>
               </a:ext>
@@ -18905,7 +18905,7 @@
             </a:ln>
             <a:extLst>
               <a:ext uri="{909E8E84-426E-40dd-AFC4-6F175D3DCCD1}">
-                <a14:hiddenFill xmlns="" xmlns:a14="http://schemas.microsoft.com/office/drawing/2010/main">
+                <a14:hiddenFill xmlns:a14="http://schemas.microsoft.com/office/drawing/2010/main" xmlns="">
                   <a:noFill/>
                 </a14:hiddenFill>
               </a:ext>
@@ -18944,7 +18944,7 @@
             </a:ln>
             <a:extLst>
               <a:ext uri="{909E8E84-426E-40dd-AFC4-6F175D3DCCD1}">
-                <a14:hiddenFill xmlns="" xmlns:a14="http://schemas.microsoft.com/office/drawing/2010/main">
+                <a14:hiddenFill xmlns:a14="http://schemas.microsoft.com/office/drawing/2010/main" xmlns="">
                   <a:noFill/>
                 </a14:hiddenFill>
               </a:ext>
@@ -18983,7 +18983,7 @@
             </a:ln>
             <a:extLst>
               <a:ext uri="{909E8E84-426E-40dd-AFC4-6F175D3DCCD1}">
-                <a14:hiddenFill xmlns="" xmlns:a14="http://schemas.microsoft.com/office/drawing/2010/main">
+                <a14:hiddenFill xmlns:a14="http://schemas.microsoft.com/office/drawing/2010/main" xmlns="">
                   <a:noFill/>
                 </a14:hiddenFill>
               </a:ext>
@@ -19022,7 +19022,7 @@
             </a:ln>
             <a:extLst>
               <a:ext uri="{909E8E84-426E-40dd-AFC4-6F175D3DCCD1}">
-                <a14:hiddenFill xmlns="" xmlns:a14="http://schemas.microsoft.com/office/drawing/2010/main">
+                <a14:hiddenFill xmlns:a14="http://schemas.microsoft.com/office/drawing/2010/main" xmlns="">
                   <a:noFill/>
                 </a14:hiddenFill>
               </a:ext>
@@ -19061,7 +19061,7 @@
             </a:ln>
             <a:extLst>
               <a:ext uri="{909E8E84-426E-40dd-AFC4-6F175D3DCCD1}">
-                <a14:hiddenFill xmlns="" xmlns:a14="http://schemas.microsoft.com/office/drawing/2010/main">
+                <a14:hiddenFill xmlns:a14="http://schemas.microsoft.com/office/drawing/2010/main" xmlns="">
                   <a:noFill/>
                 </a14:hiddenFill>
               </a:ext>
@@ -31305,14 +31305,14 @@
           <a:effectLst/>
           <a:extLst>
             <a:ext uri="{909E8E84-426E-40dd-AFC4-6F175D3DCCD1}">
-              <a14:hiddenFill xmlns="" xmlns:a14="http://schemas.microsoft.com/office/drawing/2010/main">
+              <a14:hiddenFill xmlns:a14="http://schemas.microsoft.com/office/drawing/2010/main" xmlns="">
                 <a:solidFill>
                   <a:schemeClr val="accent1"/>
                 </a:solidFill>
               </a14:hiddenFill>
             </a:ext>
             <a:ext uri="{91240B29-F687-4f45-9708-019B960494DF}">
-              <a14:hiddenLine xmlns="" xmlns:a14="http://schemas.microsoft.com/office/drawing/2010/main" w="9525">
+              <a14:hiddenLine xmlns:a14="http://schemas.microsoft.com/office/drawing/2010/main" xmlns="" w="9525">
                 <a:solidFill>
                   <a:schemeClr val="tx1"/>
                 </a:solidFill>
@@ -31322,7 +31322,7 @@
               </a14:hiddenLine>
             </a:ext>
             <a:ext uri="{AF507438-7753-43e0-B8FC-AC1667EBCBE1}">
-              <a14:hiddenEffects xmlns="" xmlns:a14="http://schemas.microsoft.com/office/drawing/2010/main">
+              <a14:hiddenEffects xmlns:a14="http://schemas.microsoft.com/office/drawing/2010/main" xmlns="">
                 <a:effectLst>
                   <a:outerShdw blurRad="63500" dist="38099" dir="2700000" algn="ctr" rotWithShape="0">
                     <a:schemeClr val="bg2">
@@ -43183,7 +43183,7 @@
           <a:p>
             <a:r>
               <a:rPr lang="en-US" dirty="0"/>
-              <a:t>By definition, and edge in the Call Graph refers to </a:t>
+              <a:t>By definition, </a:t>
             </a:r>
             <a:r>
               <a:rPr lang="en-US" dirty="0" smtClean="0"/>
@@ -43191,7 +43191,23 @@
             </a:r>
             <a:r>
               <a:rPr lang="en-US" dirty="0"/>
-              <a:t>interface between the units that are the  endpoints of the edge.</a:t>
+              <a:t>edge in the Call Graph refers to </a:t>
+            </a:r>
+            <a:r>
+              <a:rPr lang="en-US" dirty="0" smtClean="0"/>
+              <a:t>an </a:t>
+            </a:r>
+            <a:r>
+              <a:rPr lang="en-US" dirty="0"/>
+              <a:t>interface between the units that are the </a:t>
+            </a:r>
+            <a:r>
+              <a:rPr lang="en-US" dirty="0" smtClean="0"/>
+              <a:t>endpoints </a:t>
+            </a:r>
+            <a:r>
+              <a:rPr lang="en-US" dirty="0"/>
+              <a:t>of the edge.</a:t>
             </a:r>
           </a:p>
           <a:p>
@@ -43209,8 +43225,13 @@
           <a:p>
             <a:r>
               <a:rPr lang="en-US" dirty="0"/>
-              <a:t>Fault isolation is localized to the pair being  integrated</a:t>
-            </a:r>
+              <a:t>Fault isolation is localized to the pair being </a:t>
+            </a:r>
+            <a:r>
+              <a:rPr lang="en-US" dirty="0" smtClean="0"/>
+              <a:t>integrated</a:t>
+            </a:r>
+            <a:endParaRPr lang="en-US" dirty="0"/>
           </a:p>
           <a:p>
             <a:endParaRPr lang="en-US" dirty="0"/>
@@ -43431,19 +43452,13 @@
               <a:t>neighborhood (or radius 1) of a node in a </a:t>
             </a:r>
             <a:r>
-              <a:rPr lang="en-US" spc="5" dirty="0">
-                <a:cs typeface="Arial"/>
-              </a:rPr>
-              <a:t> </a:t>
-            </a:r>
-            <a:r>
-              <a:rPr lang="en-US" dirty="0">
+              <a:rPr lang="en-US" dirty="0" smtClean="0">
                 <a:cs typeface="Arial"/>
               </a:rPr>
               <a:t>graph</a:t>
             </a:r>
             <a:r>
-              <a:rPr lang="en-US" spc="-10" dirty="0">
+              <a:rPr lang="en-US" spc="-10" dirty="0" smtClean="0">
                 <a:cs typeface="Arial"/>
               </a:rPr>
               <a:t> </a:t>
@@ -43848,25 +43863,6 @@
               <a:rPr lang="en-US" dirty="0"/>
               <a:t>Two Neighborhoods (radius = 1)</a:t>
             </a:r>
-          </a:p>
-        </p:txBody>
-      </p:sp>
-      <p:sp>
-        <p:nvSpPr>
-          <p:cNvPr id="3" name="Content Placeholder 2"/>
-          <p:cNvSpPr>
-            <a:spLocks noGrp="1"/>
-          </p:cNvSpPr>
-          <p:nvPr>
-            <p:ph idx="1"/>
-          </p:nvPr>
-        </p:nvSpPr>
-        <p:spPr/>
-        <p:txBody>
-          <a:bodyPr/>
-          <a:lstStyle/>
-          <a:p>
-            <a:endParaRPr lang="en-US"/>
           </a:p>
         </p:txBody>
       </p:sp>
@@ -49480,7 +49476,7 @@
           </a:ln>
           <a:extLst>
             <a:ext uri="{91240B29-F687-4f45-9708-019B960494DF}">
-              <a14:hiddenLine xmlns="" xmlns:a14="http://schemas.microsoft.com/office/drawing/2010/main" w="12700">
+              <a14:hiddenLine xmlns:a14="http://schemas.microsoft.com/office/drawing/2010/main" xmlns="" w="12700">
                 <a:solidFill>
                   <a:srgbClr val="000000"/>
                 </a:solidFill>
@@ -49523,7 +49519,7 @@
           </a:ln>
           <a:extLst>
             <a:ext uri="{91240B29-F687-4f45-9708-019B960494DF}">
-              <a14:hiddenLine xmlns="" xmlns:a14="http://schemas.microsoft.com/office/drawing/2010/main" w="12700">
+              <a14:hiddenLine xmlns:a14="http://schemas.microsoft.com/office/drawing/2010/main" xmlns="" w="12700">
                 <a:solidFill>
                   <a:srgbClr val="000000"/>
                 </a:solidFill>
@@ -49566,7 +49562,7 @@
           </a:ln>
           <a:extLst>
             <a:ext uri="{91240B29-F687-4f45-9708-019B960494DF}">
-              <a14:hiddenLine xmlns="" xmlns:a14="http://schemas.microsoft.com/office/drawing/2010/main" w="12700">
+              <a14:hiddenLine xmlns:a14="http://schemas.microsoft.com/office/drawing/2010/main" xmlns="" w="12700">
                 <a:solidFill>
                   <a:srgbClr val="000000"/>
                 </a:solidFill>
@@ -49609,7 +49605,7 @@
           </a:ln>
           <a:extLst>
             <a:ext uri="{91240B29-F687-4f45-9708-019B960494DF}">
-              <a14:hiddenLine xmlns="" xmlns:a14="http://schemas.microsoft.com/office/drawing/2010/main" w="12700">
+              <a14:hiddenLine xmlns:a14="http://schemas.microsoft.com/office/drawing/2010/main" xmlns="" w="12700">
                 <a:solidFill>
                   <a:srgbClr val="000000"/>
                 </a:solidFill>
@@ -49652,7 +49648,7 @@
           </a:ln>
           <a:extLst>
             <a:ext uri="{91240B29-F687-4f45-9708-019B960494DF}">
-              <a14:hiddenLine xmlns="" xmlns:a14="http://schemas.microsoft.com/office/drawing/2010/main" w="12700">
+              <a14:hiddenLine xmlns:a14="http://schemas.microsoft.com/office/drawing/2010/main" xmlns="" w="12700">
                 <a:solidFill>
                   <a:srgbClr val="000000"/>
                 </a:solidFill>
@@ -49695,7 +49691,7 @@
           </a:ln>
           <a:extLst>
             <a:ext uri="{91240B29-F687-4f45-9708-019B960494DF}">
-              <a14:hiddenLine xmlns="" xmlns:a14="http://schemas.microsoft.com/office/drawing/2010/main" w="12700">
+              <a14:hiddenLine xmlns:a14="http://schemas.microsoft.com/office/drawing/2010/main" xmlns="" w="12700">
                 <a:solidFill>
                   <a:srgbClr val="000000"/>
                 </a:solidFill>
@@ -49738,7 +49734,7 @@
           </a:ln>
           <a:extLst>
             <a:ext uri="{91240B29-F687-4f45-9708-019B960494DF}">
-              <a14:hiddenLine xmlns="" xmlns:a14="http://schemas.microsoft.com/office/drawing/2010/main" w="12700">
+              <a14:hiddenLine xmlns:a14="http://schemas.microsoft.com/office/drawing/2010/main" xmlns="" w="12700">
                 <a:solidFill>
                   <a:srgbClr val="000000"/>
                 </a:solidFill>
@@ -49784,7 +49780,7 @@
           </a:ln>
           <a:extLst>
             <a:ext uri="{909E8E84-426E-40dd-AFC4-6F175D3DCCD1}">
-              <a14:hiddenFill xmlns="" xmlns:a14="http://schemas.microsoft.com/office/drawing/2010/main">
+              <a14:hiddenFill xmlns:a14="http://schemas.microsoft.com/office/drawing/2010/main" xmlns="">
                 <a:solidFill>
                   <a:srgbClr val="FFFFFF"/>
                 </a:solidFill>
@@ -49838,7 +49834,7 @@
           </a:ln>
           <a:extLst>
             <a:ext uri="{909E8E84-426E-40dd-AFC4-6F175D3DCCD1}">
-              <a14:hiddenFill xmlns="" xmlns:a14="http://schemas.microsoft.com/office/drawing/2010/main">
+              <a14:hiddenFill xmlns:a14="http://schemas.microsoft.com/office/drawing/2010/main" xmlns="">
                 <a:solidFill>
                   <a:srgbClr val="FFFFFF"/>
                 </a:solidFill>
@@ -49892,7 +49888,7 @@
           </a:ln>
           <a:extLst>
             <a:ext uri="{909E8E84-426E-40dd-AFC4-6F175D3DCCD1}">
-              <a14:hiddenFill xmlns="" xmlns:a14="http://schemas.microsoft.com/office/drawing/2010/main">
+              <a14:hiddenFill xmlns:a14="http://schemas.microsoft.com/office/drawing/2010/main" xmlns="">
                 <a:solidFill>
                   <a:srgbClr val="FFFFFF"/>
                 </a:solidFill>
@@ -49974,7 +49970,7 @@
           </a:ln>
           <a:extLst>
             <a:ext uri="{909E8E84-426E-40dd-AFC4-6F175D3DCCD1}">
-              <a14:hiddenFill xmlns="" xmlns:a14="http://schemas.microsoft.com/office/drawing/2010/main">
+              <a14:hiddenFill xmlns:a14="http://schemas.microsoft.com/office/drawing/2010/main" xmlns="">
                 <a:noFill/>
               </a14:hiddenFill>
             </a:ext>
@@ -50015,7 +50011,7 @@
           </a:ln>
           <a:extLst>
             <a:ext uri="{909E8E84-426E-40dd-AFC4-6F175D3DCCD1}">
-              <a14:hiddenFill xmlns="" xmlns:a14="http://schemas.microsoft.com/office/drawing/2010/main">
+              <a14:hiddenFill xmlns:a14="http://schemas.microsoft.com/office/drawing/2010/main" xmlns="">
                 <a:noFill/>
               </a14:hiddenFill>
             </a:ext>
@@ -50051,14 +50047,14 @@
           </a:ln>
           <a:extLst>
             <a:ext uri="{909E8E84-426E-40dd-AFC4-6F175D3DCCD1}">
-              <a14:hiddenFill xmlns="" xmlns:a14="http://schemas.microsoft.com/office/drawing/2010/main">
+              <a14:hiddenFill xmlns:a14="http://schemas.microsoft.com/office/drawing/2010/main" xmlns="">
                 <a:solidFill>
                   <a:srgbClr val="FFFFFF"/>
                 </a:solidFill>
               </a14:hiddenFill>
             </a:ext>
             <a:ext uri="{91240B29-F687-4f45-9708-019B960494DF}">
-              <a14:hiddenLine xmlns="" xmlns:a14="http://schemas.microsoft.com/office/drawing/2010/main" w="12700">
+              <a14:hiddenLine xmlns:a14="http://schemas.microsoft.com/office/drawing/2010/main" xmlns="" w="12700">
                 <a:solidFill>
                   <a:srgbClr val="000000"/>
                 </a:solidFill>
@@ -50104,14 +50100,14 @@
           </a:ln>
           <a:extLst>
             <a:ext uri="{909E8E84-426E-40dd-AFC4-6F175D3DCCD1}">
-              <a14:hiddenFill xmlns="" xmlns:a14="http://schemas.microsoft.com/office/drawing/2010/main">
+              <a14:hiddenFill xmlns:a14="http://schemas.microsoft.com/office/drawing/2010/main" xmlns="">
                 <a:solidFill>
                   <a:srgbClr val="FFFFFF"/>
                 </a:solidFill>
               </a14:hiddenFill>
             </a:ext>
             <a:ext uri="{91240B29-F687-4f45-9708-019B960494DF}">
-              <a14:hiddenLine xmlns="" xmlns:a14="http://schemas.microsoft.com/office/drawing/2010/main" w="12700">
+              <a14:hiddenLine xmlns:a14="http://schemas.microsoft.com/office/drawing/2010/main" xmlns="" w="12700">
                 <a:solidFill>
                   <a:srgbClr val="000000"/>
                 </a:solidFill>
@@ -50157,14 +50153,14 @@
           </a:ln>
           <a:extLst>
             <a:ext uri="{909E8E84-426E-40dd-AFC4-6F175D3DCCD1}">
-              <a14:hiddenFill xmlns="" xmlns:a14="http://schemas.microsoft.com/office/drawing/2010/main">
+              <a14:hiddenFill xmlns:a14="http://schemas.microsoft.com/office/drawing/2010/main" xmlns="">
                 <a:solidFill>
                   <a:srgbClr val="FFFFFF"/>
                 </a:solidFill>
               </a14:hiddenFill>
             </a:ext>
             <a:ext uri="{91240B29-F687-4f45-9708-019B960494DF}">
-              <a14:hiddenLine xmlns="" xmlns:a14="http://schemas.microsoft.com/office/drawing/2010/main" w="12700">
+              <a14:hiddenLine xmlns:a14="http://schemas.microsoft.com/office/drawing/2010/main" xmlns="" w="12700">
                 <a:solidFill>
                   <a:srgbClr val="000000"/>
                 </a:solidFill>
@@ -50860,7 +50856,7 @@
           </a:ln>
           <a:extLst>
             <a:ext uri="{909E8E84-426E-40dd-AFC4-6F175D3DCCD1}">
-              <a14:hiddenFill xmlns="" xmlns:a14="http://schemas.microsoft.com/office/drawing/2010/main">
+              <a14:hiddenFill xmlns:a14="http://schemas.microsoft.com/office/drawing/2010/main" xmlns="">
                 <a:noFill/>
               </a14:hiddenFill>
             </a:ext>
@@ -50899,7 +50895,7 @@
           </a:ln>
           <a:extLst>
             <a:ext uri="{909E8E84-426E-40dd-AFC4-6F175D3DCCD1}">
-              <a14:hiddenFill xmlns="" xmlns:a14="http://schemas.microsoft.com/office/drawing/2010/main">
+              <a14:hiddenFill xmlns:a14="http://schemas.microsoft.com/office/drawing/2010/main" xmlns="">
                 <a:noFill/>
               </a14:hiddenFill>
             </a:ext>
@@ -50938,7 +50934,7 @@
           </a:ln>
           <a:extLst>
             <a:ext uri="{909E8E84-426E-40dd-AFC4-6F175D3DCCD1}">
-              <a14:hiddenFill xmlns="" xmlns:a14="http://schemas.microsoft.com/office/drawing/2010/main">
+              <a14:hiddenFill xmlns:a14="http://schemas.microsoft.com/office/drawing/2010/main" xmlns="">
                 <a:noFill/>
               </a14:hiddenFill>
             </a:ext>
@@ -50977,7 +50973,7 @@
           </a:ln>
           <a:extLst>
             <a:ext uri="{909E8E84-426E-40dd-AFC4-6F175D3DCCD1}">
-              <a14:hiddenFill xmlns="" xmlns:a14="http://schemas.microsoft.com/office/drawing/2010/main">
+              <a14:hiddenFill xmlns:a14="http://schemas.microsoft.com/office/drawing/2010/main" xmlns="">
                 <a:noFill/>
               </a14:hiddenFill>
             </a:ext>
@@ -51016,7 +51012,7 @@
           </a:ln>
           <a:extLst>
             <a:ext uri="{909E8E84-426E-40dd-AFC4-6F175D3DCCD1}">
-              <a14:hiddenFill xmlns="" xmlns:a14="http://schemas.microsoft.com/office/drawing/2010/main">
+              <a14:hiddenFill xmlns:a14="http://schemas.microsoft.com/office/drawing/2010/main" xmlns="">
                 <a:noFill/>
               </a14:hiddenFill>
             </a:ext>
@@ -51055,7 +51051,7 @@
           </a:ln>
           <a:extLst>
             <a:ext uri="{909E8E84-426E-40dd-AFC4-6F175D3DCCD1}">
-              <a14:hiddenFill xmlns="" xmlns:a14="http://schemas.microsoft.com/office/drawing/2010/main">
+              <a14:hiddenFill xmlns:a14="http://schemas.microsoft.com/office/drawing/2010/main" xmlns="">
                 <a:noFill/>
               </a14:hiddenFill>
             </a:ext>
@@ -51089,7 +51085,7 @@
           </a:ln>
           <a:extLst>
             <a:ext uri="{909E8E84-426E-40dd-AFC4-6F175D3DCCD1}">
-              <a14:hiddenFill xmlns="" xmlns:a14="http://schemas.microsoft.com/office/drawing/2010/main">
+              <a14:hiddenFill xmlns:a14="http://schemas.microsoft.com/office/drawing/2010/main" xmlns="">
                 <a:solidFill>
                   <a:srgbClr val="FFFFFF"/>
                 </a:solidFill>
@@ -51274,7 +51270,7 @@
           </a:ln>
           <a:extLst>
             <a:ext uri="{909E8E84-426E-40dd-AFC4-6F175D3DCCD1}">
-              <a14:hiddenFill xmlns="" xmlns:a14="http://schemas.microsoft.com/office/drawing/2010/main">
+              <a14:hiddenFill xmlns:a14="http://schemas.microsoft.com/office/drawing/2010/main" xmlns="">
                 <a:noFill/>
               </a14:hiddenFill>
             </a:ext>
@@ -51310,14 +51306,14 @@
           </a:ln>
           <a:extLst>
             <a:ext uri="{909E8E84-426E-40dd-AFC4-6F175D3DCCD1}">
-              <a14:hiddenFill xmlns="" xmlns:a14="http://schemas.microsoft.com/office/drawing/2010/main">
+              <a14:hiddenFill xmlns:a14="http://schemas.microsoft.com/office/drawing/2010/main" xmlns="">
                 <a:solidFill>
                   <a:srgbClr val="FFFFFF"/>
                 </a:solidFill>
               </a14:hiddenFill>
             </a:ext>
             <a:ext uri="{91240B29-F687-4f45-9708-019B960494DF}">
-              <a14:hiddenLine xmlns="" xmlns:a14="http://schemas.microsoft.com/office/drawing/2010/main" w="12700">
+              <a14:hiddenLine xmlns:a14="http://schemas.microsoft.com/office/drawing/2010/main" xmlns="" w="12700">
                 <a:solidFill>
                   <a:srgbClr val="000000"/>
                 </a:solidFill>
@@ -51473,14 +51469,14 @@
           </a:ln>
           <a:extLst>
             <a:ext uri="{909E8E84-426E-40dd-AFC4-6F175D3DCCD1}">
-              <a14:hiddenFill xmlns="" xmlns:a14="http://schemas.microsoft.com/office/drawing/2010/main">
+              <a14:hiddenFill xmlns:a14="http://schemas.microsoft.com/office/drawing/2010/main" xmlns="">
                 <a:solidFill>
                   <a:srgbClr val="FFFFFF"/>
                 </a:solidFill>
               </a14:hiddenFill>
             </a:ext>
             <a:ext uri="{91240B29-F687-4f45-9708-019B960494DF}">
-              <a14:hiddenLine xmlns="" xmlns:a14="http://schemas.microsoft.com/office/drawing/2010/main" w="12700">
+              <a14:hiddenLine xmlns:a14="http://schemas.microsoft.com/office/drawing/2010/main" xmlns="" w="12700">
                 <a:solidFill>
                   <a:srgbClr val="000000"/>
                 </a:solidFill>
@@ -51645,14 +51641,14 @@
           </a:ln>
           <a:extLst>
             <a:ext uri="{909E8E84-426E-40dd-AFC4-6F175D3DCCD1}">
-              <a14:hiddenFill xmlns="" xmlns:a14="http://schemas.microsoft.com/office/drawing/2010/main">
+              <a14:hiddenFill xmlns:a14="http://schemas.microsoft.com/office/drawing/2010/main" xmlns="">
                 <a:solidFill>
                   <a:srgbClr val="FFFFFF"/>
                 </a:solidFill>
               </a14:hiddenFill>
             </a:ext>
             <a:ext uri="{91240B29-F687-4f45-9708-019B960494DF}">
-              <a14:hiddenLine xmlns="" xmlns:a14="http://schemas.microsoft.com/office/drawing/2010/main" w="12700">
+              <a14:hiddenLine xmlns:a14="http://schemas.microsoft.com/office/drawing/2010/main" xmlns="" w="12700">
                 <a:solidFill>
                   <a:srgbClr val="000000"/>
                 </a:solidFill>
@@ -51813,7 +51809,7 @@
           </a:ln>
           <a:extLst>
             <a:ext uri="{909E8E84-426E-40dd-AFC4-6F175D3DCCD1}">
-              <a14:hiddenFill xmlns="" xmlns:a14="http://schemas.microsoft.com/office/drawing/2010/main">
+              <a14:hiddenFill xmlns:a14="http://schemas.microsoft.com/office/drawing/2010/main" xmlns="">
                 <a:noFill/>
               </a14:hiddenFill>
             </a:ext>
@@ -51854,7 +51850,7 @@
           </a:ln>
           <a:extLst>
             <a:ext uri="{909E8E84-426E-40dd-AFC4-6F175D3DCCD1}">
-              <a14:hiddenFill xmlns="" xmlns:a14="http://schemas.microsoft.com/office/drawing/2010/main">
+              <a14:hiddenFill xmlns:a14="http://schemas.microsoft.com/office/drawing/2010/main" xmlns="">
                 <a:noFill/>
               </a14:hiddenFill>
             </a:ext>
@@ -51895,7 +51891,7 @@
           </a:ln>
           <a:extLst>
             <a:ext uri="{909E8E84-426E-40dd-AFC4-6F175D3DCCD1}">
-              <a14:hiddenFill xmlns="" xmlns:a14="http://schemas.microsoft.com/office/drawing/2010/main">
+              <a14:hiddenFill xmlns:a14="http://schemas.microsoft.com/office/drawing/2010/main" xmlns="">
                 <a:noFill/>
               </a14:hiddenFill>
             </a:ext>
@@ -53003,14 +52999,14 @@
           </a:ln>
           <a:extLst>
             <a:ext uri="{909E8E84-426E-40dd-AFC4-6F175D3DCCD1}">
-              <a14:hiddenFill xmlns="" xmlns:a14="http://schemas.microsoft.com/office/drawing/2010/main">
+              <a14:hiddenFill xmlns:a14="http://schemas.microsoft.com/office/drawing/2010/main" xmlns="">
                 <a:solidFill>
                   <a:srgbClr val="FFFFFF"/>
                 </a:solidFill>
               </a14:hiddenFill>
             </a:ext>
             <a:ext uri="{91240B29-F687-4f45-9708-019B960494DF}">
-              <a14:hiddenLine xmlns="" xmlns:a14="http://schemas.microsoft.com/office/drawing/2010/main" w="12700">
+              <a14:hiddenLine xmlns:a14="http://schemas.microsoft.com/office/drawing/2010/main" xmlns="" w="12700">
                 <a:solidFill>
                   <a:srgbClr val="000000"/>
                 </a:solidFill>
@@ -53051,14 +53047,14 @@
           </a:ln>
           <a:extLst>
             <a:ext uri="{909E8E84-426E-40dd-AFC4-6F175D3DCCD1}">
-              <a14:hiddenFill xmlns="" xmlns:a14="http://schemas.microsoft.com/office/drawing/2010/main">
+              <a14:hiddenFill xmlns:a14="http://schemas.microsoft.com/office/drawing/2010/main" xmlns="">
                 <a:solidFill>
                   <a:srgbClr val="FFFFFF"/>
                 </a:solidFill>
               </a14:hiddenFill>
             </a:ext>
             <a:ext uri="{91240B29-F687-4f45-9708-019B960494DF}">
-              <a14:hiddenLine xmlns="" xmlns:a14="http://schemas.microsoft.com/office/drawing/2010/main" w="12700">
+              <a14:hiddenLine xmlns:a14="http://schemas.microsoft.com/office/drawing/2010/main" xmlns="" w="12700">
                 <a:solidFill>
                   <a:srgbClr val="000000"/>
                 </a:solidFill>
@@ -53099,14 +53095,14 @@
           </a:ln>
           <a:extLst>
             <a:ext uri="{909E8E84-426E-40dd-AFC4-6F175D3DCCD1}">
-              <a14:hiddenFill xmlns="" xmlns:a14="http://schemas.microsoft.com/office/drawing/2010/main">
+              <a14:hiddenFill xmlns:a14="http://schemas.microsoft.com/office/drawing/2010/main" xmlns="">
                 <a:solidFill>
                   <a:srgbClr val="FFFFFF"/>
                 </a:solidFill>
               </a14:hiddenFill>
             </a:ext>
             <a:ext uri="{91240B29-F687-4f45-9708-019B960494DF}">
-              <a14:hiddenLine xmlns="" xmlns:a14="http://schemas.microsoft.com/office/drawing/2010/main" w="12700">
+              <a14:hiddenLine xmlns:a14="http://schemas.microsoft.com/office/drawing/2010/main" xmlns="" w="12700">
                 <a:solidFill>
                   <a:srgbClr val="000000"/>
                 </a:solidFill>
@@ -53156,14 +53152,14 @@
           </a:ln>
           <a:extLst>
             <a:ext uri="{909E8E84-426E-40dd-AFC4-6F175D3DCCD1}">
-              <a14:hiddenFill xmlns="" xmlns:a14="http://schemas.microsoft.com/office/drawing/2010/main">
+              <a14:hiddenFill xmlns:a14="http://schemas.microsoft.com/office/drawing/2010/main" xmlns="">
                 <a:solidFill>
                   <a:srgbClr val="FFFFFF"/>
                 </a:solidFill>
               </a14:hiddenFill>
             </a:ext>
             <a:ext uri="{91240B29-F687-4f45-9708-019B960494DF}">
-              <a14:hiddenLine xmlns="" xmlns:a14="http://schemas.microsoft.com/office/drawing/2010/main" w="12700">
+              <a14:hiddenLine xmlns:a14="http://schemas.microsoft.com/office/drawing/2010/main" xmlns="" w="12700">
                 <a:solidFill>
                   <a:srgbClr val="000000"/>
                 </a:solidFill>
@@ -53204,14 +53200,14 @@
           </a:ln>
           <a:extLst>
             <a:ext uri="{909E8E84-426E-40dd-AFC4-6F175D3DCCD1}">
-              <a14:hiddenFill xmlns="" xmlns:a14="http://schemas.microsoft.com/office/drawing/2010/main">
+              <a14:hiddenFill xmlns:a14="http://schemas.microsoft.com/office/drawing/2010/main" xmlns="">
                 <a:solidFill>
                   <a:srgbClr val="FFFFFF"/>
                 </a:solidFill>
               </a14:hiddenFill>
             </a:ext>
             <a:ext uri="{91240B29-F687-4f45-9708-019B960494DF}">
-              <a14:hiddenLine xmlns="" xmlns:a14="http://schemas.microsoft.com/office/drawing/2010/main" w="12700">
+              <a14:hiddenLine xmlns:a14="http://schemas.microsoft.com/office/drawing/2010/main" xmlns="" w="12700">
                 <a:solidFill>
                   <a:srgbClr val="000000"/>
                 </a:solidFill>
@@ -53252,14 +53248,14 @@
           </a:ln>
           <a:extLst>
             <a:ext uri="{909E8E84-426E-40dd-AFC4-6F175D3DCCD1}">
-              <a14:hiddenFill xmlns="" xmlns:a14="http://schemas.microsoft.com/office/drawing/2010/main">
+              <a14:hiddenFill xmlns:a14="http://schemas.microsoft.com/office/drawing/2010/main" xmlns="">
                 <a:solidFill>
                   <a:srgbClr val="FFFFFF"/>
                 </a:solidFill>
               </a14:hiddenFill>
             </a:ext>
             <a:ext uri="{91240B29-F687-4f45-9708-019B960494DF}">
-              <a14:hiddenLine xmlns="" xmlns:a14="http://schemas.microsoft.com/office/drawing/2010/main" w="12700">
+              <a14:hiddenLine xmlns:a14="http://schemas.microsoft.com/office/drawing/2010/main" xmlns="" w="12700">
                 <a:solidFill>
                   <a:srgbClr val="000000"/>
                 </a:solidFill>
@@ -53309,14 +53305,14 @@
           </a:ln>
           <a:extLst>
             <a:ext uri="{909E8E84-426E-40dd-AFC4-6F175D3DCCD1}">
-              <a14:hiddenFill xmlns="" xmlns:a14="http://schemas.microsoft.com/office/drawing/2010/main">
+              <a14:hiddenFill xmlns:a14="http://schemas.microsoft.com/office/drawing/2010/main" xmlns="">
                 <a:solidFill>
                   <a:srgbClr val="FFFFFF"/>
                 </a:solidFill>
               </a14:hiddenFill>
             </a:ext>
             <a:ext uri="{91240B29-F687-4f45-9708-019B960494DF}">
-              <a14:hiddenLine xmlns="" xmlns:a14="http://schemas.microsoft.com/office/drawing/2010/main" w="12700">
+              <a14:hiddenLine xmlns:a14="http://schemas.microsoft.com/office/drawing/2010/main" xmlns="" w="12700">
                 <a:solidFill>
                   <a:srgbClr val="000000"/>
                 </a:solidFill>
@@ -53357,14 +53353,14 @@
           </a:ln>
           <a:extLst>
             <a:ext uri="{909E8E84-426E-40dd-AFC4-6F175D3DCCD1}">
-              <a14:hiddenFill xmlns="" xmlns:a14="http://schemas.microsoft.com/office/drawing/2010/main">
+              <a14:hiddenFill xmlns:a14="http://schemas.microsoft.com/office/drawing/2010/main" xmlns="">
                 <a:solidFill>
                   <a:srgbClr val="FFFFFF"/>
                 </a:solidFill>
               </a14:hiddenFill>
             </a:ext>
             <a:ext uri="{91240B29-F687-4f45-9708-019B960494DF}">
-              <a14:hiddenLine xmlns="" xmlns:a14="http://schemas.microsoft.com/office/drawing/2010/main" w="12700">
+              <a14:hiddenLine xmlns:a14="http://schemas.microsoft.com/office/drawing/2010/main" xmlns="" w="12700">
                 <a:solidFill>
                   <a:srgbClr val="000000"/>
                 </a:solidFill>
@@ -53405,14 +53401,14 @@
           </a:ln>
           <a:extLst>
             <a:ext uri="{909E8E84-426E-40dd-AFC4-6F175D3DCCD1}">
-              <a14:hiddenFill xmlns="" xmlns:a14="http://schemas.microsoft.com/office/drawing/2010/main">
+              <a14:hiddenFill xmlns:a14="http://schemas.microsoft.com/office/drawing/2010/main" xmlns="">
                 <a:solidFill>
                   <a:srgbClr val="FFFFFF"/>
                 </a:solidFill>
               </a14:hiddenFill>
             </a:ext>
             <a:ext uri="{91240B29-F687-4f45-9708-019B960494DF}">
-              <a14:hiddenLine xmlns="" xmlns:a14="http://schemas.microsoft.com/office/drawing/2010/main" w="12700">
+              <a14:hiddenLine xmlns:a14="http://schemas.microsoft.com/office/drawing/2010/main" xmlns="" w="12700">
                 <a:solidFill>
                   <a:srgbClr val="000000"/>
                 </a:solidFill>
@@ -53453,14 +53449,14 @@
           </a:ln>
           <a:extLst>
             <a:ext uri="{909E8E84-426E-40dd-AFC4-6F175D3DCCD1}">
-              <a14:hiddenFill xmlns="" xmlns:a14="http://schemas.microsoft.com/office/drawing/2010/main">
+              <a14:hiddenFill xmlns:a14="http://schemas.microsoft.com/office/drawing/2010/main" xmlns="">
                 <a:solidFill>
                   <a:srgbClr val="FFFFFF"/>
                 </a:solidFill>
               </a14:hiddenFill>
             </a:ext>
             <a:ext uri="{91240B29-F687-4f45-9708-019B960494DF}">
-              <a14:hiddenLine xmlns="" xmlns:a14="http://schemas.microsoft.com/office/drawing/2010/main" w="12700">
+              <a14:hiddenLine xmlns:a14="http://schemas.microsoft.com/office/drawing/2010/main" xmlns="" w="12700">
                 <a:solidFill>
                   <a:srgbClr val="000000"/>
                 </a:solidFill>
@@ -53501,14 +53497,14 @@
           </a:ln>
           <a:extLst>
             <a:ext uri="{909E8E84-426E-40dd-AFC4-6F175D3DCCD1}">
-              <a14:hiddenFill xmlns="" xmlns:a14="http://schemas.microsoft.com/office/drawing/2010/main">
+              <a14:hiddenFill xmlns:a14="http://schemas.microsoft.com/office/drawing/2010/main" xmlns="">
                 <a:solidFill>
                   <a:srgbClr val="FFFFFF"/>
                 </a:solidFill>
               </a14:hiddenFill>
             </a:ext>
             <a:ext uri="{91240B29-F687-4f45-9708-019B960494DF}">
-              <a14:hiddenLine xmlns="" xmlns:a14="http://schemas.microsoft.com/office/drawing/2010/main" w="12700">
+              <a14:hiddenLine xmlns:a14="http://schemas.microsoft.com/office/drawing/2010/main" xmlns="" w="12700">
                 <a:solidFill>
                   <a:srgbClr val="000000"/>
                 </a:solidFill>
@@ -53549,14 +53545,14 @@
           </a:ln>
           <a:extLst>
             <a:ext uri="{909E8E84-426E-40dd-AFC4-6F175D3DCCD1}">
-              <a14:hiddenFill xmlns="" xmlns:a14="http://schemas.microsoft.com/office/drawing/2010/main">
+              <a14:hiddenFill xmlns:a14="http://schemas.microsoft.com/office/drawing/2010/main" xmlns="">
                 <a:solidFill>
                   <a:srgbClr val="FFFFFF"/>
                 </a:solidFill>
               </a14:hiddenFill>
             </a:ext>
             <a:ext uri="{91240B29-F687-4f45-9708-019B960494DF}">
-              <a14:hiddenLine xmlns="" xmlns:a14="http://schemas.microsoft.com/office/drawing/2010/main" w="12700">
+              <a14:hiddenLine xmlns:a14="http://schemas.microsoft.com/office/drawing/2010/main" xmlns="" w="12700">
                 <a:solidFill>
                   <a:srgbClr val="000000"/>
                 </a:solidFill>
@@ -53597,14 +53593,14 @@
           </a:ln>
           <a:extLst>
             <a:ext uri="{909E8E84-426E-40dd-AFC4-6F175D3DCCD1}">
-              <a14:hiddenFill xmlns="" xmlns:a14="http://schemas.microsoft.com/office/drawing/2010/main">
+              <a14:hiddenFill xmlns:a14="http://schemas.microsoft.com/office/drawing/2010/main" xmlns="">
                 <a:solidFill>
                   <a:srgbClr val="FFFFFF"/>
                 </a:solidFill>
               </a14:hiddenFill>
             </a:ext>
             <a:ext uri="{91240B29-F687-4f45-9708-019B960494DF}">
-              <a14:hiddenLine xmlns="" xmlns:a14="http://schemas.microsoft.com/office/drawing/2010/main" w="12700">
+              <a14:hiddenLine xmlns:a14="http://schemas.microsoft.com/office/drawing/2010/main" xmlns="" w="12700">
                 <a:solidFill>
                   <a:srgbClr val="000000"/>
                 </a:solidFill>
